--- a/Document/画面仕様v2.pptx
+++ b/Document/画面仕様v2.pptx
@@ -8,13 +8,14 @@
     <p:sldId id="256" r:id="rId2"/>
     <p:sldId id="268" r:id="rId3"/>
     <p:sldId id="267" r:id="rId4"/>
-    <p:sldId id="257" r:id="rId5"/>
-    <p:sldId id="266" r:id="rId6"/>
-    <p:sldId id="259" r:id="rId7"/>
-    <p:sldId id="258" r:id="rId8"/>
-    <p:sldId id="263" r:id="rId9"/>
-    <p:sldId id="264" r:id="rId10"/>
-    <p:sldId id="261" r:id="rId11"/>
+    <p:sldId id="269" r:id="rId5"/>
+    <p:sldId id="257" r:id="rId6"/>
+    <p:sldId id="266" r:id="rId7"/>
+    <p:sldId id="259" r:id="rId8"/>
+    <p:sldId id="258" r:id="rId9"/>
+    <p:sldId id="263" r:id="rId10"/>
+    <p:sldId id="264" r:id="rId11"/>
+    <p:sldId id="261" r:id="rId12"/>
   </p:sldIdLst>
   <p:sldSz cx="12192000" cy="6858000"/>
   <p:notesSz cx="6858000" cy="9144000"/>
@@ -252,7 +253,7 @@
           <a:p>
             <a:fld id="{D3C7A457-6413-0C45-8D6F-00EF3E7D11CE}" type="datetimeFigureOut">
               <a:rPr kumimoji="1" lang="ja-JP" altLang="en-US" smtClean="0"/>
-              <a:t>2017/7/20</a:t>
+              <a:t>2017/7/28</a:t>
             </a:fld>
             <a:endParaRPr kumimoji="1" lang="ja-JP" altLang="en-US"/>
           </a:p>
@@ -454,7 +455,7 @@
           <a:p>
             <a:fld id="{D3C7A457-6413-0C45-8D6F-00EF3E7D11CE}" type="datetimeFigureOut">
               <a:rPr kumimoji="1" lang="ja-JP" altLang="en-US" smtClean="0"/>
-              <a:t>2017/7/20</a:t>
+              <a:t>2017/7/28</a:t>
             </a:fld>
             <a:endParaRPr kumimoji="1" lang="ja-JP" altLang="en-US"/>
           </a:p>
@@ -666,7 +667,7 @@
           <a:p>
             <a:fld id="{D3C7A457-6413-0C45-8D6F-00EF3E7D11CE}" type="datetimeFigureOut">
               <a:rPr kumimoji="1" lang="ja-JP" altLang="en-US" smtClean="0"/>
-              <a:t>2017/7/20</a:t>
+              <a:t>2017/7/28</a:t>
             </a:fld>
             <a:endParaRPr kumimoji="1" lang="ja-JP" altLang="en-US"/>
           </a:p>
@@ -868,7 +869,7 @@
           <a:p>
             <a:fld id="{D3C7A457-6413-0C45-8D6F-00EF3E7D11CE}" type="datetimeFigureOut">
               <a:rPr kumimoji="1" lang="ja-JP" altLang="en-US" smtClean="0"/>
-              <a:t>2017/7/20</a:t>
+              <a:t>2017/7/28</a:t>
             </a:fld>
             <a:endParaRPr kumimoji="1" lang="ja-JP" altLang="en-US"/>
           </a:p>
@@ -1114,7 +1115,7 @@
           <a:p>
             <a:fld id="{D3C7A457-6413-0C45-8D6F-00EF3E7D11CE}" type="datetimeFigureOut">
               <a:rPr kumimoji="1" lang="ja-JP" altLang="en-US" smtClean="0"/>
-              <a:t>2017/7/20</a:t>
+              <a:t>2017/7/28</a:t>
             </a:fld>
             <a:endParaRPr kumimoji="1" lang="ja-JP" altLang="en-US"/>
           </a:p>
@@ -1410,7 +1411,7 @@
           <a:p>
             <a:fld id="{D3C7A457-6413-0C45-8D6F-00EF3E7D11CE}" type="datetimeFigureOut">
               <a:rPr kumimoji="1" lang="ja-JP" altLang="en-US" smtClean="0"/>
-              <a:t>2017/7/20</a:t>
+              <a:t>2017/7/28</a:t>
             </a:fld>
             <a:endParaRPr kumimoji="1" lang="ja-JP" altLang="en-US"/>
           </a:p>
@@ -1841,7 +1842,7 @@
           <a:p>
             <a:fld id="{D3C7A457-6413-0C45-8D6F-00EF3E7D11CE}" type="datetimeFigureOut">
               <a:rPr kumimoji="1" lang="ja-JP" altLang="en-US" smtClean="0"/>
-              <a:t>2017/7/20</a:t>
+              <a:t>2017/7/28</a:t>
             </a:fld>
             <a:endParaRPr kumimoji="1" lang="ja-JP" altLang="en-US"/>
           </a:p>
@@ -1959,7 +1960,7 @@
           <a:p>
             <a:fld id="{D3C7A457-6413-0C45-8D6F-00EF3E7D11CE}" type="datetimeFigureOut">
               <a:rPr kumimoji="1" lang="ja-JP" altLang="en-US" smtClean="0"/>
-              <a:t>2017/7/20</a:t>
+              <a:t>2017/7/28</a:t>
             </a:fld>
             <a:endParaRPr kumimoji="1" lang="ja-JP" altLang="en-US"/>
           </a:p>
@@ -2054,7 +2055,7 @@
           <a:p>
             <a:fld id="{D3C7A457-6413-0C45-8D6F-00EF3E7D11CE}" type="datetimeFigureOut">
               <a:rPr kumimoji="1" lang="ja-JP" altLang="en-US" smtClean="0"/>
-              <a:t>2017/7/20</a:t>
+              <a:t>2017/7/28</a:t>
             </a:fld>
             <a:endParaRPr kumimoji="1" lang="ja-JP" altLang="en-US"/>
           </a:p>
@@ -2363,7 +2364,7 @@
           <a:p>
             <a:fld id="{D3C7A457-6413-0C45-8D6F-00EF3E7D11CE}" type="datetimeFigureOut">
               <a:rPr kumimoji="1" lang="ja-JP" altLang="en-US" smtClean="0"/>
-              <a:t>2017/7/20</a:t>
+              <a:t>2017/7/28</a:t>
             </a:fld>
             <a:endParaRPr kumimoji="1" lang="ja-JP" altLang="en-US"/>
           </a:p>
@@ -2616,7 +2617,7 @@
           <a:p>
             <a:fld id="{D3C7A457-6413-0C45-8D6F-00EF3E7D11CE}" type="datetimeFigureOut">
               <a:rPr kumimoji="1" lang="ja-JP" altLang="en-US" smtClean="0"/>
-              <a:t>2017/7/20</a:t>
+              <a:t>2017/7/28</a:t>
             </a:fld>
             <a:endParaRPr kumimoji="1" lang="ja-JP" altLang="en-US"/>
           </a:p>
@@ -2861,7 +2862,7 @@
           <a:p>
             <a:fld id="{D3C7A457-6413-0C45-8D6F-00EF3E7D11CE}" type="datetimeFigureOut">
               <a:rPr kumimoji="1" lang="ja-JP" altLang="en-US" smtClean="0"/>
-              <a:t>2017/7/20</a:t>
+              <a:t>2017/7/28</a:t>
             </a:fld>
             <a:endParaRPr kumimoji="1" lang="ja-JP" altLang="en-US"/>
           </a:p>
@@ -3356,21 +3357,58 @@
             <p:ph type="title"/>
           </p:nvPr>
         </p:nvSpPr>
+        <p:spPr/>
+        <p:txBody>
+          <a:bodyPr/>
+          <a:lstStyle/>
+          <a:p>
+            <a:r>
+              <a:rPr lang="en-US" altLang="ja-JP" dirty="0" err="1" smtClean="0"/>
+              <a:t>Config</a:t>
+            </a:r>
+            <a:r>
+              <a:rPr lang="ja-JP" altLang="en-US" dirty="0" smtClean="0"/>
+              <a:t>ページ（仮）</a:t>
+            </a:r>
+            <a:endParaRPr kumimoji="1" lang="ja-JP" altLang="en-US" dirty="0"/>
+          </a:p>
+        </p:txBody>
+      </p:sp>
+      <p:sp>
+        <p:nvSpPr>
+          <p:cNvPr id="5" name="正方形/長方形 4"/>
+          <p:cNvSpPr/>
+          <p:nvPr/>
+        </p:nvSpPr>
         <p:spPr>
           <a:xfrm>
-            <a:off x="756920" y="365125"/>
-            <a:ext cx="6395720" cy="1325563"/>
-          </a:xfrm>
+            <a:off x="557047" y="1310564"/>
+            <a:ext cx="3237187" cy="4993891"/>
+          </a:xfrm>
+          <a:prstGeom prst="rect">
+            <a:avLst/>
+          </a:prstGeom>
         </p:spPr>
-        <p:txBody>
-          <a:bodyPr/>
-          <a:lstStyle/>
-          <a:p>
-            <a:r>
-              <a:rPr lang="ja-JP" altLang="en-US" dirty="0" smtClean="0"/>
-              <a:t>フッター</a:t>
-            </a:r>
-            <a:endParaRPr kumimoji="1" lang="ja-JP" altLang="en-US" dirty="0"/>
+        <p:style>
+          <a:lnRef idx="2">
+            <a:schemeClr val="dk1"/>
+          </a:lnRef>
+          <a:fillRef idx="1">
+            <a:schemeClr val="lt1"/>
+          </a:fillRef>
+          <a:effectRef idx="0">
+            <a:schemeClr val="dk1"/>
+          </a:effectRef>
+          <a:fontRef idx="minor">
+            <a:schemeClr val="dk1"/>
+          </a:fontRef>
+        </p:style>
+        <p:txBody>
+          <a:bodyPr rtlCol="0" anchor="ctr"/>
+          <a:lstStyle/>
+          <a:p>
+            <a:pPr algn="ctr"/>
+            <a:endParaRPr kumimoji="1" lang="ja-JP" altLang="en-US"/>
           </a:p>
         </p:txBody>
       </p:sp>
@@ -3382,7 +3420,7 @@
         </p:nvSpPr>
         <p:spPr>
           <a:xfrm>
-            <a:off x="6642538" y="468878"/>
+            <a:off x="6642538" y="451945"/>
             <a:ext cx="5402317" cy="6180083"/>
           </a:xfrm>
           <a:prstGeom prst="rect">
@@ -3412,14 +3450,10 @@
               <a:buChar char="•"/>
             </a:pPr>
             <a:r>
-              <a:rPr kumimoji="1" lang="en-US" altLang="ja-JP" dirty="0" smtClean="0"/>
-              <a:t>HUD Activity</a:t>
-            </a:r>
-            <a:r>
-              <a:rPr kumimoji="1" lang="ja-JP" altLang="en-US" dirty="0" smtClean="0"/>
-              <a:t>を起動できる</a:t>
-            </a:r>
-            <a:endParaRPr kumimoji="1" lang="en-US" altLang="ja-JP" dirty="0" smtClean="0"/>
+              <a:rPr lang="ja-JP" altLang="en-US" dirty="0" smtClean="0"/>
+              <a:t>ログアウトできる</a:t>
+            </a:r>
+            <a:endParaRPr lang="en-US" altLang="ja-JP" dirty="0" smtClean="0"/>
           </a:p>
           <a:p>
             <a:pPr marL="285750" indent="-285750">
@@ -3427,6 +3461,293 @@
               <a:buChar char="•"/>
             </a:pPr>
             <a:r>
+              <a:rPr lang="ja-JP" altLang="en-US" dirty="0" smtClean="0"/>
+              <a:t>自分の登録情報を確認できる</a:t>
+            </a:r>
+            <a:endParaRPr lang="en-US" altLang="ja-JP" dirty="0" smtClean="0"/>
+          </a:p>
+          <a:p>
+            <a:pPr marL="285750" indent="-285750">
+              <a:buFont typeface="Arial" charset="0"/>
+              <a:buChar char="•"/>
+            </a:pPr>
+            <a:r>
+              <a:rPr lang="ja-JP" altLang="en-US" dirty="0" smtClean="0"/>
+              <a:t>シート数を調整できる</a:t>
+            </a:r>
+            <a:endParaRPr lang="en-US" altLang="ja-JP" dirty="0" smtClean="0"/>
+          </a:p>
+          <a:p>
+            <a:pPr marL="285750" indent="-285750">
+              <a:buFont typeface="Arial" charset="0"/>
+              <a:buChar char="•"/>
+            </a:pPr>
+            <a:r>
+              <a:rPr lang="ja-JP" altLang="en-US" dirty="0" smtClean="0"/>
+              <a:t>ボタンの位置を調整できる</a:t>
+            </a:r>
+            <a:endParaRPr lang="en-US" altLang="ja-JP" dirty="0" smtClean="0"/>
+          </a:p>
+          <a:p>
+            <a:pPr marL="285750" indent="-285750">
+              <a:buFont typeface="Arial" charset="0"/>
+              <a:buChar char="•"/>
+            </a:pPr>
+            <a:r>
+              <a:rPr lang="ja-JP" altLang="en-US" dirty="0" smtClean="0"/>
+              <a:t>プレーヤー（自分）のシートを調整できる</a:t>
+            </a:r>
+            <a:endParaRPr lang="en-US" altLang="ja-JP" dirty="0"/>
+          </a:p>
+          <a:p>
+            <a:pPr marL="285750" indent="-285750">
+              <a:buFont typeface="Arial" charset="0"/>
+              <a:buChar char="•"/>
+            </a:pPr>
+            <a:endParaRPr lang="en-US" altLang="ja-JP" dirty="0" smtClean="0"/>
+          </a:p>
+        </p:txBody>
+      </p:sp>
+      <p:sp>
+        <p:nvSpPr>
+          <p:cNvPr id="25" name="正方形/長方形 24"/>
+          <p:cNvSpPr/>
+          <p:nvPr/>
+        </p:nvSpPr>
+        <p:spPr>
+          <a:xfrm>
+            <a:off x="6642538" y="451945"/>
+            <a:ext cx="5402317" cy="399393"/>
+          </a:xfrm>
+          <a:prstGeom prst="rect">
+            <a:avLst/>
+          </a:prstGeom>
+        </p:spPr>
+        <p:style>
+          <a:lnRef idx="1">
+            <a:schemeClr val="accent2"/>
+          </a:lnRef>
+          <a:fillRef idx="2">
+            <a:schemeClr val="accent2"/>
+          </a:fillRef>
+          <a:effectRef idx="1">
+            <a:schemeClr val="accent2"/>
+          </a:effectRef>
+          <a:fontRef idx="minor">
+            <a:schemeClr val="dk1"/>
+          </a:fontRef>
+        </p:style>
+        <p:txBody>
+          <a:bodyPr rtlCol="0" anchor="ctr"/>
+          <a:lstStyle/>
+          <a:p>
+            <a:pPr algn="ctr"/>
+            <a:r>
+              <a:rPr kumimoji="1" lang="ja-JP" altLang="en-US" dirty="0" smtClean="0"/>
+              <a:t>機能要件</a:t>
+            </a:r>
+            <a:endParaRPr kumimoji="1" lang="ja-JP" altLang="en-US" dirty="0"/>
+          </a:p>
+        </p:txBody>
+      </p:sp>
+      <p:sp>
+        <p:nvSpPr>
+          <p:cNvPr id="16" name="正方形/長方形 15"/>
+          <p:cNvSpPr/>
+          <p:nvPr/>
+        </p:nvSpPr>
+        <p:spPr>
+          <a:xfrm>
+            <a:off x="557047" y="1310564"/>
+            <a:ext cx="3237187" cy="378372"/>
+          </a:xfrm>
+          <a:prstGeom prst="rect">
+            <a:avLst/>
+          </a:prstGeom>
+        </p:spPr>
+        <p:style>
+          <a:lnRef idx="2">
+            <a:schemeClr val="accent1">
+              <a:shade val="50000"/>
+            </a:schemeClr>
+          </a:lnRef>
+          <a:fillRef idx="1">
+            <a:schemeClr val="accent1"/>
+          </a:fillRef>
+          <a:effectRef idx="0">
+            <a:schemeClr val="accent1"/>
+          </a:effectRef>
+          <a:fontRef idx="minor">
+            <a:schemeClr val="lt1"/>
+          </a:fontRef>
+        </p:style>
+        <p:txBody>
+          <a:bodyPr rtlCol="0" anchor="ctr"/>
+          <a:lstStyle/>
+          <a:p>
+            <a:pPr algn="ctr"/>
+            <a:r>
+              <a:rPr lang="en-US" altLang="ja-JP" dirty="0" smtClean="0"/>
+              <a:t>Configuration</a:t>
+            </a:r>
+          </a:p>
+        </p:txBody>
+      </p:sp>
+      <p:sp>
+        <p:nvSpPr>
+          <p:cNvPr id="36" name="正方形/長方形 35"/>
+          <p:cNvSpPr/>
+          <p:nvPr/>
+        </p:nvSpPr>
+        <p:spPr>
+          <a:xfrm>
+            <a:off x="556389" y="6076506"/>
+            <a:ext cx="3237187" cy="564555"/>
+          </a:xfrm>
+          <a:prstGeom prst="rect">
+            <a:avLst/>
+          </a:prstGeom>
+        </p:spPr>
+        <p:style>
+          <a:lnRef idx="2">
+            <a:schemeClr val="accent1">
+              <a:shade val="50000"/>
+            </a:schemeClr>
+          </a:lnRef>
+          <a:fillRef idx="1">
+            <a:schemeClr val="accent1"/>
+          </a:fillRef>
+          <a:effectRef idx="0">
+            <a:schemeClr val="accent1"/>
+          </a:effectRef>
+          <a:fontRef idx="minor">
+            <a:schemeClr val="lt1"/>
+          </a:fontRef>
+        </p:style>
+        <p:txBody>
+          <a:bodyPr rtlCol="0" anchor="ctr"/>
+          <a:lstStyle/>
+          <a:p>
+            <a:pPr algn="ctr"/>
+            <a:r>
+              <a:rPr kumimoji="1" lang="ja-JP" altLang="en-US" dirty="0" smtClean="0"/>
+              <a:t>フッターエリア</a:t>
+            </a:r>
+            <a:endParaRPr kumimoji="1" lang="ja-JP" altLang="en-US" dirty="0"/>
+          </a:p>
+        </p:txBody>
+      </p:sp>
+    </p:spTree>
+    <p:extLst>
+      <p:ext uri="{BB962C8B-B14F-4D97-AF65-F5344CB8AC3E}">
+        <p14:creationId xmlns:p14="http://schemas.microsoft.com/office/powerpoint/2010/main" val="2038690977"/>
+      </p:ext>
+    </p:extLst>
+  </p:cSld>
+  <p:clrMapOvr>
+    <a:masterClrMapping/>
+  </p:clrMapOvr>
+</p:sld>
+</file>
+
+<file path=ppt/slides/slide11.xml><?xml version="1.0" encoding="utf-8"?>
+<p:sld xmlns:a="http://schemas.openxmlformats.org/drawingml/2006/main" xmlns:r="http://schemas.openxmlformats.org/officeDocument/2006/relationships" xmlns:p="http://schemas.openxmlformats.org/presentationml/2006/main">
+  <p:cSld>
+    <p:spTree>
+      <p:nvGrpSpPr>
+        <p:cNvPr id="1" name=""/>
+        <p:cNvGrpSpPr/>
+        <p:nvPr/>
+      </p:nvGrpSpPr>
+      <p:grpSpPr>
+        <a:xfrm>
+          <a:off x="0" y="0"/>
+          <a:ext cx="0" cy="0"/>
+          <a:chOff x="0" y="0"/>
+          <a:chExt cx="0" cy="0"/>
+        </a:xfrm>
+      </p:grpSpPr>
+      <p:sp>
+        <p:nvSpPr>
+          <p:cNvPr id="4" name="タイトル 3"/>
+          <p:cNvSpPr>
+            <a:spLocks noGrp="1"/>
+          </p:cNvSpPr>
+          <p:nvPr>
+            <p:ph type="title"/>
+          </p:nvPr>
+        </p:nvSpPr>
+        <p:spPr>
+          <a:xfrm>
+            <a:off x="756920" y="365125"/>
+            <a:ext cx="6395720" cy="1325563"/>
+          </a:xfrm>
+        </p:spPr>
+        <p:txBody>
+          <a:bodyPr/>
+          <a:lstStyle/>
+          <a:p>
+            <a:r>
+              <a:rPr lang="ja-JP" altLang="en-US" dirty="0" smtClean="0"/>
+              <a:t>フッター</a:t>
+            </a:r>
+            <a:endParaRPr kumimoji="1" lang="ja-JP" altLang="en-US" dirty="0"/>
+          </a:p>
+        </p:txBody>
+      </p:sp>
+      <p:sp>
+        <p:nvSpPr>
+          <p:cNvPr id="24" name="正方形/長方形 23"/>
+          <p:cNvSpPr/>
+          <p:nvPr/>
+        </p:nvSpPr>
+        <p:spPr>
+          <a:xfrm>
+            <a:off x="6642538" y="468878"/>
+            <a:ext cx="5402317" cy="6180083"/>
+          </a:xfrm>
+          <a:prstGeom prst="rect">
+            <a:avLst/>
+          </a:prstGeom>
+        </p:spPr>
+        <p:style>
+          <a:lnRef idx="2">
+            <a:schemeClr val="accent2"/>
+          </a:lnRef>
+          <a:fillRef idx="1">
+            <a:schemeClr val="lt1"/>
+          </a:fillRef>
+          <a:effectRef idx="0">
+            <a:schemeClr val="accent2"/>
+          </a:effectRef>
+          <a:fontRef idx="minor">
+            <a:schemeClr val="dk1"/>
+          </a:fontRef>
+        </p:style>
+        <p:txBody>
+          <a:bodyPr rtlCol="0" anchor="ctr"/>
+          <a:lstStyle/>
+          <a:p>
+            <a:pPr marL="285750" indent="-285750">
+              <a:buFont typeface="Arial" charset="0"/>
+              <a:buChar char="•"/>
+            </a:pPr>
+            <a:r>
+              <a:rPr kumimoji="1" lang="en-US" altLang="ja-JP" dirty="0" smtClean="0"/>
+              <a:t>HUD Activity</a:t>
+            </a:r>
+            <a:r>
+              <a:rPr kumimoji="1" lang="ja-JP" altLang="en-US" dirty="0" smtClean="0"/>
+              <a:t>を起動できる</a:t>
+            </a:r>
+            <a:endParaRPr kumimoji="1" lang="en-US" altLang="ja-JP" dirty="0" smtClean="0"/>
+          </a:p>
+          <a:p>
+            <a:pPr marL="285750" indent="-285750">
+              <a:buFont typeface="Arial" charset="0"/>
+              <a:buChar char="•"/>
+            </a:pPr>
+            <a:r>
               <a:rPr lang="en-US" altLang="ja-JP" dirty="0" smtClean="0"/>
               <a:t>Result</a:t>
             </a:r>
@@ -3440,11 +3761,7 @@
             </a:r>
             <a:r>
               <a:rPr lang="ja-JP" altLang="en-US" dirty="0" smtClean="0"/>
-              <a:t>を起動</a:t>
-            </a:r>
-            <a:r>
-              <a:rPr lang="ja-JP" altLang="en-US" dirty="0" smtClean="0"/>
-              <a:t>できる</a:t>
+              <a:t>を起動できる</a:t>
             </a:r>
             <a:endParaRPr lang="en-US" altLang="ja-JP" dirty="0" smtClean="0"/>
           </a:p>
@@ -4758,7 +5075,7 @@
       </p:grpSpPr>
       <p:sp>
         <p:nvSpPr>
-          <p:cNvPr id="4" name="タイトル 3"/>
+          <p:cNvPr id="4" name="タイトル 1"/>
           <p:cNvSpPr>
             <a:spLocks noGrp="1"/>
           </p:cNvSpPr>
@@ -4766,23 +5083,26 @@
             <p:ph type="title"/>
           </p:nvPr>
         </p:nvSpPr>
-        <p:spPr>
-          <a:xfrm>
-            <a:off x="756920" y="365125"/>
-            <a:ext cx="6395720" cy="1325563"/>
-          </a:xfrm>
-        </p:spPr>
+        <p:spPr/>
         <p:txBody>
           <a:bodyPr/>
           <a:lstStyle/>
           <a:p>
             <a:r>
-              <a:rPr kumimoji="1" lang="en-US" altLang="ja-JP" dirty="0" smtClean="0"/>
-              <a:t>TOP</a:t>
-            </a:r>
-            <a:r>
-              <a:rPr kumimoji="1" lang="ja-JP" altLang="en-US" dirty="0" smtClean="0"/>
-              <a:t>画面（未ログイン）</a:t>
+              <a:rPr lang="en-US" altLang="ja-JP" dirty="0" smtClean="0"/>
+              <a:t>Activity</a:t>
+            </a:r>
+            <a:r>
+              <a:rPr lang="ja-JP" altLang="en-US" dirty="0" smtClean="0"/>
+              <a:t>・</a:t>
+            </a:r>
+            <a:r>
+              <a:rPr lang="en-US" altLang="ja-JP" dirty="0" smtClean="0"/>
+              <a:t>Fragment/Backend Class</a:t>
+            </a:r>
+            <a:r>
+              <a:rPr lang="ja-JP" altLang="en-US" dirty="0" smtClean="0"/>
+              <a:t>仕様</a:t>
             </a:r>
             <a:endParaRPr kumimoji="1" lang="ja-JP" altLang="en-US" dirty="0"/>
           </a:p>
@@ -4796,189 +5116,10 @@
         </p:nvSpPr>
         <p:spPr>
           <a:xfrm>
-            <a:off x="601893" y="1582080"/>
-            <a:ext cx="3237187" cy="4993891"/>
+            <a:off x="304801" y="4302389"/>
+            <a:ext cx="11599335" cy="609600"/>
           </a:xfrm>
           <a:prstGeom prst="rect">
-            <a:avLst/>
-          </a:prstGeom>
-        </p:spPr>
-        <p:style>
-          <a:lnRef idx="2">
-            <a:schemeClr val="dk1"/>
-          </a:lnRef>
-          <a:fillRef idx="1">
-            <a:schemeClr val="lt1"/>
-          </a:fillRef>
-          <a:effectRef idx="0">
-            <a:schemeClr val="dk1"/>
-          </a:effectRef>
-          <a:fontRef idx="minor">
-            <a:schemeClr val="dk1"/>
-          </a:fontRef>
-        </p:style>
-        <p:txBody>
-          <a:bodyPr rtlCol="0" anchor="ctr"/>
-          <a:lstStyle/>
-          <a:p>
-            <a:pPr algn="ctr"/>
-            <a:endParaRPr kumimoji="1" lang="ja-JP" altLang="en-US"/>
-          </a:p>
-        </p:txBody>
-      </p:sp>
-      <p:sp>
-        <p:nvSpPr>
-          <p:cNvPr id="6" name="角丸四角形 5"/>
-          <p:cNvSpPr/>
-          <p:nvPr/>
-        </p:nvSpPr>
-        <p:spPr>
-          <a:xfrm>
-            <a:off x="977462" y="1765738"/>
-            <a:ext cx="2396359" cy="2039007"/>
-          </a:xfrm>
-          <a:prstGeom prst="roundRect">
-            <a:avLst/>
-          </a:prstGeom>
-        </p:spPr>
-        <p:style>
-          <a:lnRef idx="2">
-            <a:schemeClr val="accent1">
-              <a:shade val="50000"/>
-            </a:schemeClr>
-          </a:lnRef>
-          <a:fillRef idx="1">
-            <a:schemeClr val="accent1"/>
-          </a:fillRef>
-          <a:effectRef idx="0">
-            <a:schemeClr val="accent1"/>
-          </a:effectRef>
-          <a:fontRef idx="minor">
-            <a:schemeClr val="lt1"/>
-          </a:fontRef>
-        </p:style>
-        <p:txBody>
-          <a:bodyPr rtlCol="0" anchor="ctr"/>
-          <a:lstStyle/>
-          <a:p>
-            <a:pPr algn="ctr"/>
-            <a:r>
-              <a:rPr kumimoji="1" lang="ja-JP" altLang="en-US" dirty="0" smtClean="0"/>
-              <a:t>ロゴ？</a:t>
-            </a:r>
-            <a:endParaRPr kumimoji="1" lang="ja-JP" altLang="en-US" dirty="0"/>
-          </a:p>
-        </p:txBody>
-      </p:sp>
-      <p:sp>
-        <p:nvSpPr>
-          <p:cNvPr id="9" name="角丸四角形 8"/>
-          <p:cNvSpPr/>
-          <p:nvPr/>
-        </p:nvSpPr>
-        <p:spPr>
-          <a:xfrm>
-            <a:off x="977460" y="4127297"/>
-            <a:ext cx="2396359" cy="357352"/>
-          </a:xfrm>
-          <a:prstGeom prst="roundRect">
-            <a:avLst/>
-          </a:prstGeom>
-        </p:spPr>
-        <p:style>
-          <a:lnRef idx="2">
-            <a:schemeClr val="accent1">
-              <a:shade val="50000"/>
-            </a:schemeClr>
-          </a:lnRef>
-          <a:fillRef idx="1">
-            <a:schemeClr val="accent1"/>
-          </a:fillRef>
-          <a:effectRef idx="0">
-            <a:schemeClr val="accent1"/>
-          </a:effectRef>
-          <a:fontRef idx="minor">
-            <a:schemeClr val="lt1"/>
-          </a:fontRef>
-        </p:style>
-        <p:txBody>
-          <a:bodyPr rtlCol="0" anchor="ctr"/>
-          <a:lstStyle/>
-          <a:p>
-            <a:pPr algn="ctr"/>
-            <a:r>
-              <a:rPr lang="en-US" altLang="ja-JP" dirty="0" smtClean="0"/>
-              <a:t>Facebook</a:t>
-            </a:r>
-            <a:r>
-              <a:rPr lang="ja-JP" altLang="en-US" dirty="0" smtClean="0"/>
-              <a:t>ログイン</a:t>
-            </a:r>
-            <a:endParaRPr kumimoji="1" lang="ja-JP" altLang="en-US" dirty="0"/>
-          </a:p>
-        </p:txBody>
-      </p:sp>
-      <p:sp>
-        <p:nvSpPr>
-          <p:cNvPr id="21" name="正方形/長方形 20"/>
-          <p:cNvSpPr/>
-          <p:nvPr/>
-        </p:nvSpPr>
-        <p:spPr>
-          <a:xfrm>
-            <a:off x="4014952" y="3782010"/>
-            <a:ext cx="2343808" cy="450464"/>
-          </a:xfrm>
-          <a:prstGeom prst="rect">
-            <a:avLst/>
-          </a:prstGeom>
-        </p:spPr>
-        <p:style>
-          <a:lnRef idx="2">
-            <a:schemeClr val="dk1"/>
-          </a:lnRef>
-          <a:fillRef idx="1">
-            <a:schemeClr val="lt1"/>
-          </a:fillRef>
-          <a:effectRef idx="0">
-            <a:schemeClr val="dk1"/>
-          </a:effectRef>
-          <a:fontRef idx="minor">
-            <a:schemeClr val="dk1"/>
-          </a:fontRef>
-        </p:style>
-        <p:txBody>
-          <a:bodyPr rtlCol="0" anchor="ctr"/>
-          <a:lstStyle/>
-          <a:p>
-            <a:pPr algn="ctr"/>
-            <a:r>
-              <a:rPr lang="en-US" altLang="ja-JP" dirty="0" smtClean="0"/>
-              <a:t>Facebook</a:t>
-            </a:r>
-            <a:r>
-              <a:rPr lang="ja-JP" altLang="en-US" dirty="0" smtClean="0"/>
-              <a:t>ログイン</a:t>
-            </a:r>
-            <a:endParaRPr kumimoji="1" lang="ja-JP" altLang="en-US" dirty="0"/>
-          </a:p>
-        </p:txBody>
-      </p:sp>
-      <p:cxnSp>
-        <p:nvCxnSpPr>
-          <p:cNvPr id="23" name="直線コネクタ 22"/>
-          <p:cNvCxnSpPr>
-            <a:stCxn id="9" idx="3"/>
-            <a:endCxn id="21" idx="1"/>
-          </p:cNvCxnSpPr>
-          <p:nvPr/>
-        </p:nvCxnSpPr>
-        <p:spPr>
-          <a:xfrm flipV="1">
-            <a:off x="3373819" y="4007242"/>
-            <a:ext cx="641133" cy="298731"/>
-          </a:xfrm>
-          <a:prstGeom prst="line">
             <a:avLst/>
           </a:prstGeom>
         </p:spPr>
@@ -4986,27 +5127,221 @@
           <a:lnRef idx="1">
             <a:schemeClr val="accent1"/>
           </a:lnRef>
-          <a:fillRef idx="0">
+          <a:fillRef idx="2">
             <a:schemeClr val="accent1"/>
           </a:fillRef>
-          <a:effectRef idx="0">
+          <a:effectRef idx="1">
             <a:schemeClr val="accent1"/>
           </a:effectRef>
           <a:fontRef idx="minor">
-            <a:schemeClr val="tx1"/>
+            <a:schemeClr val="dk1"/>
           </a:fontRef>
         </p:style>
-      </p:cxnSp>
-      <p:sp>
-        <p:nvSpPr>
-          <p:cNvPr id="24" name="正方形/長方形 23"/>
+        <p:txBody>
+          <a:bodyPr rtlCol="0" anchor="ctr"/>
+          <a:lstStyle/>
+          <a:p>
+            <a:pPr algn="ctr"/>
+            <a:r>
+              <a:rPr kumimoji="1" lang="en-US" altLang="ja-JP" dirty="0" err="1" smtClean="0"/>
+              <a:t>HudMainActivity</a:t>
+            </a:r>
+            <a:endParaRPr kumimoji="1" lang="ja-JP" altLang="en-US" dirty="0"/>
+          </a:p>
+        </p:txBody>
+      </p:sp>
+      <p:sp>
+        <p:nvSpPr>
+          <p:cNvPr id="7" name="正方形/長方形 6"/>
           <p:cNvSpPr/>
           <p:nvPr/>
         </p:nvSpPr>
         <p:spPr>
           <a:xfrm>
-            <a:off x="6642538" y="451945"/>
-            <a:ext cx="5402317" cy="6180083"/>
+            <a:off x="304801" y="3505200"/>
+            <a:ext cx="3708400" cy="609600"/>
+          </a:xfrm>
+          <a:prstGeom prst="rect">
+            <a:avLst/>
+          </a:prstGeom>
+        </p:spPr>
+        <p:style>
+          <a:lnRef idx="1">
+            <a:schemeClr val="accent6"/>
+          </a:lnRef>
+          <a:fillRef idx="2">
+            <a:schemeClr val="accent6"/>
+          </a:fillRef>
+          <a:effectRef idx="1">
+            <a:schemeClr val="accent6"/>
+          </a:effectRef>
+          <a:fontRef idx="minor">
+            <a:schemeClr val="dk1"/>
+          </a:fontRef>
+        </p:style>
+        <p:txBody>
+          <a:bodyPr rtlCol="0" anchor="ctr"/>
+          <a:lstStyle/>
+          <a:p>
+            <a:pPr algn="ctr"/>
+            <a:r>
+              <a:rPr kumimoji="1" lang="en-US" altLang="ja-JP" dirty="0" err="1" smtClean="0"/>
+              <a:t>Fragment_Controller</a:t>
+            </a:r>
+            <a:endParaRPr kumimoji="1" lang="ja-JP" altLang="en-US" dirty="0"/>
+          </a:p>
+        </p:txBody>
+      </p:sp>
+      <p:sp>
+        <p:nvSpPr>
+          <p:cNvPr id="8" name="正方形/長方形 7"/>
+          <p:cNvSpPr/>
+          <p:nvPr/>
+        </p:nvSpPr>
+        <p:spPr>
+          <a:xfrm>
+            <a:off x="4284136" y="3505200"/>
+            <a:ext cx="7620000" cy="609600"/>
+          </a:xfrm>
+          <a:prstGeom prst="rect">
+            <a:avLst/>
+          </a:prstGeom>
+        </p:spPr>
+        <p:style>
+          <a:lnRef idx="1">
+            <a:schemeClr val="accent2"/>
+          </a:lnRef>
+          <a:fillRef idx="2">
+            <a:schemeClr val="accent2"/>
+          </a:fillRef>
+          <a:effectRef idx="1">
+            <a:schemeClr val="accent2"/>
+          </a:effectRef>
+          <a:fontRef idx="minor">
+            <a:schemeClr val="dk1"/>
+          </a:fontRef>
+        </p:style>
+        <p:txBody>
+          <a:bodyPr rtlCol="0" anchor="ctr"/>
+          <a:lstStyle/>
+          <a:p>
+            <a:pPr algn="ctr"/>
+            <a:r>
+              <a:rPr lang="en-US" altLang="ja-JP" dirty="0" err="1" smtClean="0"/>
+              <a:t>Fragment_HudController</a:t>
+            </a:r>
+            <a:endParaRPr kumimoji="1" lang="ja-JP" altLang="en-US" dirty="0"/>
+          </a:p>
+        </p:txBody>
+      </p:sp>
+      <p:sp>
+        <p:nvSpPr>
+          <p:cNvPr id="9" name="正方形/長方形 8"/>
+          <p:cNvSpPr/>
+          <p:nvPr/>
+        </p:nvSpPr>
+        <p:spPr>
+          <a:xfrm>
+            <a:off x="304801" y="2675467"/>
+            <a:ext cx="1778000" cy="609600"/>
+          </a:xfrm>
+          <a:prstGeom prst="rect">
+            <a:avLst/>
+          </a:prstGeom>
+        </p:spPr>
+        <p:style>
+          <a:lnRef idx="2">
+            <a:schemeClr val="accent6"/>
+          </a:lnRef>
+          <a:fillRef idx="1">
+            <a:schemeClr val="lt1"/>
+          </a:fillRef>
+          <a:effectRef idx="0">
+            <a:schemeClr val="accent6"/>
+          </a:effectRef>
+          <a:fontRef idx="minor">
+            <a:schemeClr val="dk1"/>
+          </a:fontRef>
+        </p:style>
+        <p:txBody>
+          <a:bodyPr rtlCol="0" anchor="ctr"/>
+          <a:lstStyle/>
+          <a:p>
+            <a:pPr algn="ctr"/>
+            <a:r>
+              <a:rPr kumimoji="1" lang="en-US" altLang="ja-JP" dirty="0" smtClean="0"/>
+              <a:t>Fragment</a:t>
+            </a:r>
+          </a:p>
+          <a:p>
+            <a:pPr algn="ctr"/>
+            <a:r>
+              <a:rPr lang="en-US" altLang="ja-JP" dirty="0" smtClean="0"/>
+              <a:t>Main</a:t>
+            </a:r>
+            <a:endParaRPr kumimoji="1" lang="en-US" altLang="ja-JP" dirty="0" smtClean="0"/>
+          </a:p>
+        </p:txBody>
+      </p:sp>
+      <p:sp>
+        <p:nvSpPr>
+          <p:cNvPr id="10" name="正方形/長方形 9"/>
+          <p:cNvSpPr/>
+          <p:nvPr/>
+        </p:nvSpPr>
+        <p:spPr>
+          <a:xfrm>
+            <a:off x="2235201" y="2675467"/>
+            <a:ext cx="1778000" cy="609600"/>
+          </a:xfrm>
+          <a:prstGeom prst="rect">
+            <a:avLst/>
+          </a:prstGeom>
+        </p:spPr>
+        <p:style>
+          <a:lnRef idx="2">
+            <a:schemeClr val="accent6"/>
+          </a:lnRef>
+          <a:fillRef idx="1">
+            <a:schemeClr val="lt1"/>
+          </a:fillRef>
+          <a:effectRef idx="0">
+            <a:schemeClr val="accent6"/>
+          </a:effectRef>
+          <a:fontRef idx="minor">
+            <a:schemeClr val="dk1"/>
+          </a:fontRef>
+        </p:style>
+        <p:txBody>
+          <a:bodyPr rtlCol="0" anchor="ctr"/>
+          <a:lstStyle/>
+          <a:p>
+            <a:pPr algn="ctr"/>
+            <a:r>
+              <a:rPr kumimoji="1" lang="en-US" altLang="ja-JP" dirty="0" smtClean="0"/>
+              <a:t>Fragment</a:t>
+            </a:r>
+            <a:br>
+              <a:rPr kumimoji="1" lang="en-US" altLang="ja-JP" dirty="0" smtClean="0"/>
+            </a:br>
+            <a:r>
+              <a:rPr kumimoji="1" lang="en-US" altLang="ja-JP" dirty="0" smtClean="0"/>
+              <a:t>Signup</a:t>
+            </a:r>
+            <a:endParaRPr kumimoji="1" lang="ja-JP" altLang="en-US" dirty="0"/>
+          </a:p>
+        </p:txBody>
+      </p:sp>
+      <p:sp>
+        <p:nvSpPr>
+          <p:cNvPr id="11" name="正方形/長方形 10"/>
+          <p:cNvSpPr/>
+          <p:nvPr/>
+        </p:nvSpPr>
+        <p:spPr>
+          <a:xfrm>
+            <a:off x="4284137" y="2675467"/>
+            <a:ext cx="1778000" cy="609600"/>
           </a:xfrm>
           <a:prstGeom prst="rect">
             <a:avLst/>
@@ -5030,89 +5365,17 @@
           <a:bodyPr rtlCol="0" anchor="ctr"/>
           <a:lstStyle/>
           <a:p>
-            <a:pPr marL="285750" indent="-285750">
-              <a:buFont typeface="Arial" charset="0"/>
-              <a:buChar char="•"/>
-            </a:pPr>
+            <a:pPr algn="ctr"/>
             <a:r>
               <a:rPr kumimoji="1" lang="en-US" altLang="ja-JP" dirty="0" smtClean="0"/>
-              <a:t>Facebook</a:t>
-            </a:r>
-            <a:r>
-              <a:rPr kumimoji="1" lang="ja-JP" altLang="en-US" dirty="0" smtClean="0"/>
-              <a:t>ログイン</a:t>
-            </a:r>
-            <a:endParaRPr kumimoji="1" lang="en-US" altLang="ja-JP" dirty="0" smtClean="0"/>
-          </a:p>
-          <a:p>
-            <a:pPr marL="285750" indent="-285750">
-              <a:buFont typeface="Arial" charset="0"/>
-              <a:buChar char="•"/>
-            </a:pPr>
-            <a:r>
-              <a:rPr kumimoji="1" lang="ja-JP" altLang="en-US" dirty="0" smtClean="0"/>
-              <a:t>ログインしていない場合、他の機能に行かない</a:t>
-            </a:r>
-            <a:endParaRPr kumimoji="1" lang="en-US" altLang="ja-JP" dirty="0" smtClean="0"/>
-          </a:p>
-          <a:p>
-            <a:pPr marL="285750" indent="-285750">
-              <a:buFont typeface="Arial" charset="0"/>
-              <a:buChar char="•"/>
-            </a:pPr>
-            <a:r>
-              <a:rPr lang="ja-JP" altLang="en-US" dirty="0" smtClean="0"/>
-              <a:t>ログインしている場合は</a:t>
-            </a:r>
-            <a:r>
-              <a:rPr lang="en-US" altLang="ja-JP" dirty="0" smtClean="0"/>
-              <a:t>HUD</a:t>
-            </a:r>
-            <a:r>
-              <a:rPr lang="ja-JP" altLang="en-US" dirty="0" smtClean="0"/>
-              <a:t>に直接飛ぶ</a:t>
-            </a:r>
-            <a:endParaRPr lang="en-US" altLang="ja-JP" dirty="0" smtClean="0"/>
-          </a:p>
-          <a:p>
-            <a:pPr marL="285750" indent="-285750">
-              <a:buFont typeface="Arial" charset="0"/>
-              <a:buChar char="•"/>
-            </a:pPr>
-            <a:r>
-              <a:rPr kumimoji="1" lang="en-US" altLang="ja-JP" dirty="0" smtClean="0"/>
-              <a:t>Facebook</a:t>
-            </a:r>
-            <a:r>
-              <a:rPr kumimoji="1" lang="ja-JP" altLang="en-US" dirty="0" smtClean="0"/>
-              <a:t>ログインの結果初めてのログインであれば会員登録を行う</a:t>
-            </a:r>
-            <a:endParaRPr kumimoji="1" lang="en-US" altLang="ja-JP" dirty="0" smtClean="0"/>
-          </a:p>
-          <a:p>
-            <a:pPr marL="285750" indent="-285750">
-              <a:buFont typeface="Arial" charset="0"/>
-              <a:buChar char="•"/>
-            </a:pPr>
-            <a:r>
-              <a:rPr lang="ja-JP" altLang="en-US" dirty="0" smtClean="0"/>
-              <a:t>すでに会員の</a:t>
-            </a:r>
-            <a:r>
-              <a:rPr lang="en-US" altLang="ja-JP" dirty="0" smtClean="0"/>
-              <a:t>FB</a:t>
-            </a:r>
-            <a:r>
-              <a:rPr lang="ja-JP" altLang="en-US" dirty="0" smtClean="0"/>
-              <a:t>ユーザであれば</a:t>
-            </a:r>
-            <a:r>
-              <a:rPr lang="en-US" altLang="ja-JP" dirty="0" smtClean="0"/>
-              <a:t>HUD</a:t>
-            </a:r>
-            <a:r>
-              <a:rPr lang="ja-JP" altLang="en-US" dirty="0" smtClean="0"/>
-              <a:t>に飛ぶ</a:t>
+              <a:t>Fragment</a:t>
+            </a:r>
+          </a:p>
+          <a:p>
+            <a:pPr algn="ctr"/>
+            <a:r>
+              <a:rPr kumimoji="1" lang="en-US" altLang="ja-JP" dirty="0" err="1" smtClean="0"/>
+              <a:t>Hud</a:t>
             </a:r>
             <a:endParaRPr kumimoji="1" lang="ja-JP" altLang="en-US" dirty="0"/>
           </a:p>
@@ -5120,14 +5383,200 @@
       </p:sp>
       <p:sp>
         <p:nvSpPr>
-          <p:cNvPr id="25" name="正方形/長方形 24"/>
+          <p:cNvPr id="12" name="正方形/長方形 11"/>
           <p:cNvSpPr/>
           <p:nvPr/>
         </p:nvSpPr>
         <p:spPr>
           <a:xfrm>
-            <a:off x="6642538" y="451945"/>
-            <a:ext cx="5402317" cy="399393"/>
+            <a:off x="6231470" y="2675467"/>
+            <a:ext cx="1778000" cy="609600"/>
+          </a:xfrm>
+          <a:prstGeom prst="rect">
+            <a:avLst/>
+          </a:prstGeom>
+        </p:spPr>
+        <p:style>
+          <a:lnRef idx="2">
+            <a:schemeClr val="accent2"/>
+          </a:lnRef>
+          <a:fillRef idx="1">
+            <a:schemeClr val="lt1"/>
+          </a:fillRef>
+          <a:effectRef idx="0">
+            <a:schemeClr val="accent2"/>
+          </a:effectRef>
+          <a:fontRef idx="minor">
+            <a:schemeClr val="dk1"/>
+          </a:fontRef>
+        </p:style>
+        <p:txBody>
+          <a:bodyPr rtlCol="0" anchor="ctr"/>
+          <a:lstStyle/>
+          <a:p>
+            <a:pPr algn="ctr"/>
+            <a:r>
+              <a:rPr lang="en-US" altLang="ja-JP" dirty="0" smtClean="0"/>
+              <a:t>Fragment</a:t>
+            </a:r>
+          </a:p>
+          <a:p>
+            <a:pPr algn="ctr"/>
+            <a:r>
+              <a:rPr kumimoji="1" lang="en-US" altLang="ja-JP" dirty="0" smtClean="0"/>
+              <a:t>Result</a:t>
+            </a:r>
+          </a:p>
+        </p:txBody>
+      </p:sp>
+      <p:sp>
+        <p:nvSpPr>
+          <p:cNvPr id="13" name="正方形/長方形 12"/>
+          <p:cNvSpPr/>
+          <p:nvPr/>
+        </p:nvSpPr>
+        <p:spPr>
+          <a:xfrm>
+            <a:off x="8178803" y="2675467"/>
+            <a:ext cx="1778000" cy="609600"/>
+          </a:xfrm>
+          <a:prstGeom prst="rect">
+            <a:avLst/>
+          </a:prstGeom>
+        </p:spPr>
+        <p:style>
+          <a:lnRef idx="2">
+            <a:schemeClr val="accent2"/>
+          </a:lnRef>
+          <a:fillRef idx="1">
+            <a:schemeClr val="lt1"/>
+          </a:fillRef>
+          <a:effectRef idx="0">
+            <a:schemeClr val="accent2"/>
+          </a:effectRef>
+          <a:fontRef idx="minor">
+            <a:schemeClr val="dk1"/>
+          </a:fontRef>
+        </p:style>
+        <p:txBody>
+          <a:bodyPr rtlCol="0" anchor="ctr"/>
+          <a:lstStyle/>
+          <a:p>
+            <a:pPr algn="ctr"/>
+            <a:r>
+              <a:rPr lang="en-US" altLang="ja-JP" dirty="0" smtClean="0"/>
+              <a:t>Fragment</a:t>
+            </a:r>
+          </a:p>
+          <a:p>
+            <a:pPr algn="ctr"/>
+            <a:r>
+              <a:rPr kumimoji="1" lang="en-US" altLang="ja-JP" dirty="0" smtClean="0"/>
+              <a:t>Ranking</a:t>
+            </a:r>
+          </a:p>
+        </p:txBody>
+      </p:sp>
+      <p:sp>
+        <p:nvSpPr>
+          <p:cNvPr id="14" name="正方形/長方形 13"/>
+          <p:cNvSpPr/>
+          <p:nvPr/>
+        </p:nvSpPr>
+        <p:spPr>
+          <a:xfrm>
+            <a:off x="10126136" y="2675467"/>
+            <a:ext cx="1778000" cy="609600"/>
+          </a:xfrm>
+          <a:prstGeom prst="rect">
+            <a:avLst/>
+          </a:prstGeom>
+        </p:spPr>
+        <p:style>
+          <a:lnRef idx="2">
+            <a:schemeClr val="accent2"/>
+          </a:lnRef>
+          <a:fillRef idx="1">
+            <a:schemeClr val="lt1"/>
+          </a:fillRef>
+          <a:effectRef idx="0">
+            <a:schemeClr val="accent2"/>
+          </a:effectRef>
+          <a:fontRef idx="minor">
+            <a:schemeClr val="dk1"/>
+          </a:fontRef>
+        </p:style>
+        <p:txBody>
+          <a:bodyPr rtlCol="0" anchor="ctr"/>
+          <a:lstStyle/>
+          <a:p>
+            <a:pPr algn="ctr"/>
+            <a:r>
+              <a:rPr kumimoji="1" lang="en-US" altLang="ja-JP" dirty="0" smtClean="0"/>
+              <a:t>Fragment</a:t>
+            </a:r>
+          </a:p>
+          <a:p>
+            <a:pPr algn="ctr"/>
+            <a:r>
+              <a:rPr lang="en-US" altLang="ja-JP" dirty="0" err="1" smtClean="0"/>
+              <a:t>Conf</a:t>
+            </a:r>
+            <a:endParaRPr kumimoji="1" lang="ja-JP" altLang="en-US" dirty="0"/>
+          </a:p>
+        </p:txBody>
+      </p:sp>
+      <p:sp>
+        <p:nvSpPr>
+          <p:cNvPr id="17" name="正方形/長方形 16"/>
+          <p:cNvSpPr/>
+          <p:nvPr/>
+        </p:nvSpPr>
+        <p:spPr>
+          <a:xfrm>
+            <a:off x="304801" y="5929312"/>
+            <a:ext cx="1778000" cy="609600"/>
+          </a:xfrm>
+          <a:prstGeom prst="rect">
+            <a:avLst/>
+          </a:prstGeom>
+        </p:spPr>
+        <p:style>
+          <a:lnRef idx="2">
+            <a:schemeClr val="accent5"/>
+          </a:lnRef>
+          <a:fillRef idx="1">
+            <a:schemeClr val="lt1"/>
+          </a:fillRef>
+          <a:effectRef idx="0">
+            <a:schemeClr val="accent5"/>
+          </a:effectRef>
+          <a:fontRef idx="minor">
+            <a:schemeClr val="dk1"/>
+          </a:fontRef>
+        </p:style>
+        <p:txBody>
+          <a:bodyPr rtlCol="0" anchor="ctr"/>
+          <a:lstStyle/>
+          <a:p>
+            <a:pPr algn="ctr"/>
+            <a:r>
+              <a:rPr kumimoji="1" lang="en-US" altLang="ja-JP" dirty="0" smtClean="0"/>
+              <a:t>Hand</a:t>
+            </a:r>
+          </a:p>
+        </p:txBody>
+      </p:sp>
+      <p:sp>
+        <p:nvSpPr>
+          <p:cNvPr id="18" name="正方形/長方形 17"/>
+          <p:cNvSpPr/>
+          <p:nvPr/>
+        </p:nvSpPr>
+        <p:spPr>
+          <a:xfrm>
+            <a:off x="304801" y="5099579"/>
+            <a:ext cx="3708400" cy="609600"/>
           </a:xfrm>
           <a:prstGeom prst="rect">
             <a:avLst/>
@@ -5135,13 +5584,13 @@
         </p:spPr>
         <p:style>
           <a:lnRef idx="1">
-            <a:schemeClr val="accent2"/>
+            <a:schemeClr val="accent5"/>
           </a:lnRef>
           <a:fillRef idx="2">
-            <a:schemeClr val="accent2"/>
+            <a:schemeClr val="accent5"/>
           </a:fillRef>
           <a:effectRef idx="1">
-            <a:schemeClr val="accent2"/>
+            <a:schemeClr val="accent5"/>
           </a:effectRef>
           <a:fontRef idx="minor">
             <a:schemeClr val="dk1"/>
@@ -5153,17 +5602,401 @@
           <a:p>
             <a:pPr algn="ctr"/>
             <a:r>
-              <a:rPr kumimoji="1" lang="ja-JP" altLang="en-US" dirty="0" smtClean="0"/>
-              <a:t>機能要件</a:t>
+              <a:rPr kumimoji="1" lang="en-US" altLang="ja-JP" dirty="0" smtClean="0"/>
+              <a:t>Data</a:t>
             </a:r>
             <a:endParaRPr kumimoji="1" lang="ja-JP" altLang="en-US" dirty="0"/>
+          </a:p>
+        </p:txBody>
+      </p:sp>
+      <p:sp>
+        <p:nvSpPr>
+          <p:cNvPr id="19" name="正方形/長方形 18"/>
+          <p:cNvSpPr/>
+          <p:nvPr/>
+        </p:nvSpPr>
+        <p:spPr>
+          <a:xfrm>
+            <a:off x="2235201" y="5929312"/>
+            <a:ext cx="1778000" cy="609600"/>
+          </a:xfrm>
+          <a:prstGeom prst="rect">
+            <a:avLst/>
+          </a:prstGeom>
+        </p:spPr>
+        <p:style>
+          <a:lnRef idx="2">
+            <a:schemeClr val="accent5"/>
+          </a:lnRef>
+          <a:fillRef idx="1">
+            <a:schemeClr val="lt1"/>
+          </a:fillRef>
+          <a:effectRef idx="0">
+            <a:schemeClr val="accent5"/>
+          </a:effectRef>
+          <a:fontRef idx="minor">
+            <a:schemeClr val="dk1"/>
+          </a:fontRef>
+        </p:style>
+        <p:txBody>
+          <a:bodyPr rtlCol="0" anchor="ctr"/>
+          <a:lstStyle/>
+          <a:p>
+            <a:pPr algn="ctr"/>
+            <a:r>
+              <a:rPr kumimoji="1" lang="en-US" altLang="ja-JP" dirty="0" smtClean="0"/>
+              <a:t>Player</a:t>
+            </a:r>
+            <a:endParaRPr kumimoji="1" lang="ja-JP" altLang="en-US" dirty="0"/>
+          </a:p>
+        </p:txBody>
+      </p:sp>
+      <p:sp>
+        <p:nvSpPr>
+          <p:cNvPr id="21" name="正方形/長方形 20"/>
+          <p:cNvSpPr/>
+          <p:nvPr/>
+        </p:nvSpPr>
+        <p:spPr>
+          <a:xfrm>
+            <a:off x="4250268" y="5099578"/>
+            <a:ext cx="3708400" cy="609600"/>
+          </a:xfrm>
+          <a:prstGeom prst="rect">
+            <a:avLst/>
+          </a:prstGeom>
+        </p:spPr>
+        <p:style>
+          <a:lnRef idx="1">
+            <a:schemeClr val="accent5"/>
+          </a:lnRef>
+          <a:fillRef idx="2">
+            <a:schemeClr val="accent5"/>
+          </a:fillRef>
+          <a:effectRef idx="1">
+            <a:schemeClr val="accent5"/>
+          </a:effectRef>
+          <a:fontRef idx="minor">
+            <a:schemeClr val="dk1"/>
+          </a:fontRef>
+        </p:style>
+        <p:txBody>
+          <a:bodyPr rtlCol="0" anchor="ctr"/>
+          <a:lstStyle/>
+          <a:p>
+            <a:pPr algn="ctr"/>
+            <a:r>
+              <a:rPr kumimoji="1" lang="en-US" altLang="ja-JP" dirty="0" smtClean="0"/>
+              <a:t>Event</a:t>
+            </a:r>
+            <a:endParaRPr kumimoji="1" lang="ja-JP" altLang="en-US" dirty="0"/>
+          </a:p>
+        </p:txBody>
+      </p:sp>
+      <p:sp>
+        <p:nvSpPr>
+          <p:cNvPr id="22" name="正方形/長方形 21"/>
+          <p:cNvSpPr/>
+          <p:nvPr/>
+        </p:nvSpPr>
+        <p:spPr>
+          <a:xfrm>
+            <a:off x="8195736" y="5099578"/>
+            <a:ext cx="3708400" cy="609600"/>
+          </a:xfrm>
+          <a:prstGeom prst="rect">
+            <a:avLst/>
+          </a:prstGeom>
+        </p:spPr>
+        <p:style>
+          <a:lnRef idx="1">
+            <a:schemeClr val="accent5"/>
+          </a:lnRef>
+          <a:fillRef idx="2">
+            <a:schemeClr val="accent5"/>
+          </a:fillRef>
+          <a:effectRef idx="1">
+            <a:schemeClr val="accent5"/>
+          </a:effectRef>
+          <a:fontRef idx="minor">
+            <a:schemeClr val="dk1"/>
+          </a:fontRef>
+        </p:style>
+        <p:txBody>
+          <a:bodyPr rtlCol="0" anchor="ctr"/>
+          <a:lstStyle/>
+          <a:p>
+            <a:pPr algn="ctr"/>
+            <a:r>
+              <a:rPr kumimoji="1" lang="en-US" altLang="ja-JP" dirty="0" smtClean="0"/>
+              <a:t>Model</a:t>
+            </a:r>
+            <a:endParaRPr kumimoji="1" lang="ja-JP" altLang="en-US" dirty="0"/>
+          </a:p>
+        </p:txBody>
+      </p:sp>
+      <p:sp>
+        <p:nvSpPr>
+          <p:cNvPr id="23" name="正方形/長方形 22"/>
+          <p:cNvSpPr/>
+          <p:nvPr/>
+        </p:nvSpPr>
+        <p:spPr>
+          <a:xfrm>
+            <a:off x="4250268" y="5929312"/>
+            <a:ext cx="1778000" cy="609600"/>
+          </a:xfrm>
+          <a:prstGeom prst="rect">
+            <a:avLst/>
+          </a:prstGeom>
+        </p:spPr>
+        <p:style>
+          <a:lnRef idx="2">
+            <a:schemeClr val="accent5"/>
+          </a:lnRef>
+          <a:fillRef idx="1">
+            <a:schemeClr val="lt1"/>
+          </a:fillRef>
+          <a:effectRef idx="0">
+            <a:schemeClr val="accent5"/>
+          </a:effectRef>
+          <a:fontRef idx="minor">
+            <a:schemeClr val="dk1"/>
+          </a:fontRef>
+        </p:style>
+        <p:txBody>
+          <a:bodyPr rtlCol="0" anchor="ctr"/>
+          <a:lstStyle/>
+          <a:p>
+            <a:pPr algn="ctr"/>
+            <a:r>
+              <a:rPr kumimoji="1" lang="en-US" altLang="ja-JP" dirty="0" smtClean="0"/>
+              <a:t>Top</a:t>
+            </a:r>
+          </a:p>
+        </p:txBody>
+      </p:sp>
+      <p:sp>
+        <p:nvSpPr>
+          <p:cNvPr id="24" name="正方形/長方形 23"/>
+          <p:cNvSpPr/>
+          <p:nvPr/>
+        </p:nvSpPr>
+        <p:spPr>
+          <a:xfrm>
+            <a:off x="6180668" y="5929312"/>
+            <a:ext cx="1778000" cy="609600"/>
+          </a:xfrm>
+          <a:prstGeom prst="rect">
+            <a:avLst/>
+          </a:prstGeom>
+        </p:spPr>
+        <p:style>
+          <a:lnRef idx="2">
+            <a:schemeClr val="accent5"/>
+          </a:lnRef>
+          <a:fillRef idx="1">
+            <a:schemeClr val="lt1"/>
+          </a:fillRef>
+          <a:effectRef idx="0">
+            <a:schemeClr val="accent5"/>
+          </a:effectRef>
+          <a:fontRef idx="minor">
+            <a:schemeClr val="dk1"/>
+          </a:fontRef>
+        </p:style>
+        <p:txBody>
+          <a:bodyPr rtlCol="0" anchor="ctr"/>
+          <a:lstStyle/>
+          <a:p>
+            <a:pPr algn="ctr"/>
+            <a:r>
+              <a:rPr kumimoji="1" lang="en-US" altLang="ja-JP" dirty="0" err="1" smtClean="0"/>
+              <a:t>Hud</a:t>
+            </a:r>
+            <a:endParaRPr kumimoji="1" lang="ja-JP" altLang="en-US" dirty="0"/>
+          </a:p>
+        </p:txBody>
+      </p:sp>
+      <p:sp>
+        <p:nvSpPr>
+          <p:cNvPr id="25" name="正方形/長方形 24"/>
+          <p:cNvSpPr/>
+          <p:nvPr/>
+        </p:nvSpPr>
+        <p:spPr>
+          <a:xfrm>
+            <a:off x="8195736" y="5929312"/>
+            <a:ext cx="1778000" cy="609600"/>
+          </a:xfrm>
+          <a:prstGeom prst="rect">
+            <a:avLst/>
+          </a:prstGeom>
+        </p:spPr>
+        <p:style>
+          <a:lnRef idx="2">
+            <a:schemeClr val="accent5"/>
+          </a:lnRef>
+          <a:fillRef idx="1">
+            <a:schemeClr val="lt1"/>
+          </a:fillRef>
+          <a:effectRef idx="0">
+            <a:schemeClr val="accent5"/>
+          </a:effectRef>
+          <a:fontRef idx="minor">
+            <a:schemeClr val="dk1"/>
+          </a:fontRef>
+        </p:style>
+        <p:txBody>
+          <a:bodyPr rtlCol="0" anchor="ctr"/>
+          <a:lstStyle/>
+          <a:p>
+            <a:pPr algn="ctr"/>
+            <a:r>
+              <a:rPr kumimoji="1" lang="en-US" altLang="ja-JP" dirty="0" smtClean="0"/>
+              <a:t>Top</a:t>
+            </a:r>
+          </a:p>
+        </p:txBody>
+      </p:sp>
+      <p:sp>
+        <p:nvSpPr>
+          <p:cNvPr id="26" name="正方形/長方形 25"/>
+          <p:cNvSpPr/>
+          <p:nvPr/>
+        </p:nvSpPr>
+        <p:spPr>
+          <a:xfrm>
+            <a:off x="10126136" y="5929312"/>
+            <a:ext cx="1778000" cy="609600"/>
+          </a:xfrm>
+          <a:prstGeom prst="rect">
+            <a:avLst/>
+          </a:prstGeom>
+        </p:spPr>
+        <p:style>
+          <a:lnRef idx="2">
+            <a:schemeClr val="accent5"/>
+          </a:lnRef>
+          <a:fillRef idx="1">
+            <a:schemeClr val="lt1"/>
+          </a:fillRef>
+          <a:effectRef idx="0">
+            <a:schemeClr val="accent5"/>
+          </a:effectRef>
+          <a:fontRef idx="minor">
+            <a:schemeClr val="dk1"/>
+          </a:fontRef>
+        </p:style>
+        <p:txBody>
+          <a:bodyPr rtlCol="0" anchor="ctr"/>
+          <a:lstStyle/>
+          <a:p>
+            <a:pPr algn="ctr"/>
+            <a:r>
+              <a:rPr kumimoji="1" lang="en-US" altLang="ja-JP" dirty="0" err="1" smtClean="0"/>
+              <a:t>Hud</a:t>
+            </a:r>
+            <a:endParaRPr kumimoji="1" lang="ja-JP" altLang="en-US" dirty="0"/>
+          </a:p>
+        </p:txBody>
+      </p:sp>
+      <p:sp>
+        <p:nvSpPr>
+          <p:cNvPr id="27" name="角丸四角形 26"/>
+          <p:cNvSpPr/>
+          <p:nvPr/>
+        </p:nvSpPr>
+        <p:spPr>
+          <a:xfrm>
+            <a:off x="3496735" y="3879056"/>
+            <a:ext cx="1303867" cy="626533"/>
+          </a:xfrm>
+          <a:prstGeom prst="roundRect">
+            <a:avLst/>
+          </a:prstGeom>
+        </p:spPr>
+        <p:style>
+          <a:lnRef idx="2">
+            <a:schemeClr val="accent4"/>
+          </a:lnRef>
+          <a:fillRef idx="1">
+            <a:schemeClr val="lt1"/>
+          </a:fillRef>
+          <a:effectRef idx="0">
+            <a:schemeClr val="accent4"/>
+          </a:effectRef>
+          <a:fontRef idx="minor">
+            <a:schemeClr val="dk1"/>
+          </a:fontRef>
+        </p:style>
+        <p:txBody>
+          <a:bodyPr rtlCol="0" anchor="ctr"/>
+          <a:lstStyle/>
+          <a:p>
+            <a:pPr algn="ctr"/>
+            <a:r>
+              <a:rPr lang="ja-JP" altLang="en-US" sz="1200" dirty="0" smtClean="0"/>
+              <a:t>ログイン状態で出し分け</a:t>
+            </a:r>
+            <a:endParaRPr kumimoji="1" lang="ja-JP" altLang="en-US" sz="1200" dirty="0"/>
+          </a:p>
+        </p:txBody>
+      </p:sp>
+      <p:sp>
+        <p:nvSpPr>
+          <p:cNvPr id="28" name="角丸四角形 27"/>
+          <p:cNvSpPr/>
+          <p:nvPr/>
+        </p:nvSpPr>
+        <p:spPr>
+          <a:xfrm>
+            <a:off x="11015136" y="3232944"/>
+            <a:ext cx="1303867" cy="626533"/>
+          </a:xfrm>
+          <a:prstGeom prst="roundRect">
+            <a:avLst/>
+          </a:prstGeom>
+        </p:spPr>
+        <p:style>
+          <a:lnRef idx="2">
+            <a:schemeClr val="accent4"/>
+          </a:lnRef>
+          <a:fillRef idx="1">
+            <a:schemeClr val="lt1"/>
+          </a:fillRef>
+          <a:effectRef idx="0">
+            <a:schemeClr val="accent4"/>
+          </a:effectRef>
+          <a:fontRef idx="minor">
+            <a:schemeClr val="dk1"/>
+          </a:fontRef>
+        </p:style>
+        <p:txBody>
+          <a:bodyPr rtlCol="0" anchor="ctr"/>
+          <a:lstStyle/>
+          <a:p>
+            <a:pPr algn="ctr"/>
+            <a:r>
+              <a:rPr lang="ja-JP" altLang="en-US" sz="1200" dirty="0" smtClean="0"/>
+              <a:t>フッターの</a:t>
+            </a:r>
+            <a:endParaRPr lang="en-US" altLang="ja-JP" sz="1200" dirty="0" smtClean="0"/>
+          </a:p>
+          <a:p>
+            <a:pPr algn="ctr"/>
+            <a:r>
+              <a:rPr lang="ja-JP" altLang="en-US" sz="1200" dirty="0" smtClean="0"/>
+              <a:t>タブで選択</a:t>
+            </a:r>
+            <a:endParaRPr kumimoji="1" lang="ja-JP" altLang="en-US" sz="1200" dirty="0"/>
           </a:p>
         </p:txBody>
       </p:sp>
     </p:spTree>
     <p:extLst>
       <p:ext uri="{BB962C8B-B14F-4D97-AF65-F5344CB8AC3E}">
-        <p14:creationId xmlns:p14="http://schemas.microsoft.com/office/powerpoint/2010/main" val="1822787051"/>
+        <p14:creationId xmlns:p14="http://schemas.microsoft.com/office/powerpoint/2010/main" val="249515848"/>
       </p:ext>
     </p:extLst>
   </p:cSld>
@@ -5200,18 +6033,23 @@
             <p:ph type="title"/>
           </p:nvPr>
         </p:nvSpPr>
-        <p:spPr/>
+        <p:spPr>
+          <a:xfrm>
+            <a:off x="756920" y="365125"/>
+            <a:ext cx="6395720" cy="1325563"/>
+          </a:xfrm>
+        </p:spPr>
         <p:txBody>
           <a:bodyPr/>
           <a:lstStyle/>
           <a:p>
             <a:r>
-              <a:rPr lang="ja-JP" altLang="en-US" dirty="0" smtClean="0"/>
-              <a:t>会員登録</a:t>
-            </a:r>
-            <a:r>
-              <a:rPr lang="ja-JP" altLang="en-US" dirty="0" smtClean="0"/>
-              <a:t>ページ（仮）</a:t>
+              <a:rPr kumimoji="1" lang="en-US" altLang="ja-JP" dirty="0" smtClean="0"/>
+              <a:t>TOP</a:t>
+            </a:r>
+            <a:r>
+              <a:rPr kumimoji="1" lang="ja-JP" altLang="en-US" dirty="0" smtClean="0"/>
+              <a:t>画面（未ログイン）</a:t>
             </a:r>
             <a:endParaRPr kumimoji="1" lang="ja-JP" altLang="en-US" dirty="0"/>
           </a:p>
@@ -5225,7 +6063,7 @@
         </p:nvSpPr>
         <p:spPr>
           <a:xfrm>
-            <a:off x="557047" y="1310564"/>
+            <a:off x="601893" y="1582080"/>
             <a:ext cx="3237187" cy="4993891"/>
           </a:xfrm>
           <a:prstGeom prst="rect">
@@ -5257,189 +6095,14 @@
       </p:sp>
       <p:sp>
         <p:nvSpPr>
-          <p:cNvPr id="24" name="正方形/長方形 23"/>
+          <p:cNvPr id="6" name="角丸四角形 5"/>
           <p:cNvSpPr/>
           <p:nvPr/>
         </p:nvSpPr>
         <p:spPr>
           <a:xfrm>
-            <a:off x="6642538" y="451945"/>
-            <a:ext cx="5402317" cy="6180083"/>
-          </a:xfrm>
-          <a:prstGeom prst="rect">
-            <a:avLst/>
-          </a:prstGeom>
-        </p:spPr>
-        <p:style>
-          <a:lnRef idx="2">
-            <a:schemeClr val="accent2"/>
-          </a:lnRef>
-          <a:fillRef idx="1">
-            <a:schemeClr val="lt1"/>
-          </a:fillRef>
-          <a:effectRef idx="0">
-            <a:schemeClr val="accent2"/>
-          </a:effectRef>
-          <a:fontRef idx="minor">
-            <a:schemeClr val="dk1"/>
-          </a:fontRef>
-        </p:style>
-        <p:txBody>
-          <a:bodyPr rtlCol="0" anchor="ctr"/>
-          <a:lstStyle/>
-          <a:p>
-            <a:pPr marL="285750" indent="-285750">
-              <a:buFont typeface="Arial" charset="0"/>
-              <a:buChar char="•"/>
-            </a:pPr>
-            <a:r>
-              <a:rPr lang="en-US" altLang="ja-JP" dirty="0"/>
-              <a:t>Facebook</a:t>
-            </a:r>
-            <a:r>
-              <a:rPr lang="ja-JP" altLang="en-US" dirty="0" smtClean="0"/>
-              <a:t>ログイン後に表示する</a:t>
-            </a:r>
-            <a:endParaRPr lang="en-US" altLang="ja-JP" dirty="0"/>
-          </a:p>
-          <a:p>
-            <a:pPr marL="285750" indent="-285750">
-              <a:buFont typeface="Arial" charset="0"/>
-              <a:buChar char="•"/>
-            </a:pPr>
-            <a:r>
-              <a:rPr lang="ja-JP" altLang="en-US" dirty="0"/>
-              <a:t>ログインしていない場合、他の機能に</a:t>
-            </a:r>
-            <a:r>
-              <a:rPr lang="ja-JP" altLang="en-US" dirty="0" smtClean="0"/>
-              <a:t>行かない</a:t>
-            </a:r>
-            <a:endParaRPr lang="en-US" altLang="ja-JP" dirty="0" smtClean="0"/>
-          </a:p>
-          <a:p>
-            <a:pPr marL="285750" indent="-285750">
-              <a:buFont typeface="Arial" charset="0"/>
-              <a:buChar char="•"/>
-            </a:pPr>
-            <a:r>
-              <a:rPr lang="ja-JP" altLang="en-US" dirty="0" smtClean="0"/>
-              <a:t>サーバ側と通信して会員登録を行う</a:t>
-            </a:r>
-            <a:endParaRPr lang="en-US" altLang="ja-JP" dirty="0"/>
-          </a:p>
-          <a:p>
-            <a:pPr marL="285750" indent="-285750">
-              <a:buFont typeface="Arial" charset="0"/>
-              <a:buChar char="•"/>
-            </a:pPr>
-            <a:endParaRPr lang="en-US" altLang="ja-JP" dirty="0" smtClean="0"/>
-          </a:p>
-        </p:txBody>
-      </p:sp>
-      <p:sp>
-        <p:nvSpPr>
-          <p:cNvPr id="25" name="正方形/長方形 24"/>
-          <p:cNvSpPr/>
-          <p:nvPr/>
-        </p:nvSpPr>
-        <p:spPr>
-          <a:xfrm>
-            <a:off x="6642538" y="451945"/>
-            <a:ext cx="5402317" cy="399393"/>
-          </a:xfrm>
-          <a:prstGeom prst="rect">
-            <a:avLst/>
-          </a:prstGeom>
-        </p:spPr>
-        <p:style>
-          <a:lnRef idx="1">
-            <a:schemeClr val="accent2"/>
-          </a:lnRef>
-          <a:fillRef idx="2">
-            <a:schemeClr val="accent2"/>
-          </a:fillRef>
-          <a:effectRef idx="1">
-            <a:schemeClr val="accent2"/>
-          </a:effectRef>
-          <a:fontRef idx="minor">
-            <a:schemeClr val="dk1"/>
-          </a:fontRef>
-        </p:style>
-        <p:txBody>
-          <a:bodyPr rtlCol="0" anchor="ctr"/>
-          <a:lstStyle/>
-          <a:p>
-            <a:pPr algn="ctr"/>
-            <a:r>
-              <a:rPr kumimoji="1" lang="ja-JP" altLang="en-US" dirty="0" smtClean="0"/>
-              <a:t>機能要件</a:t>
-            </a:r>
-            <a:endParaRPr kumimoji="1" lang="ja-JP" altLang="en-US" dirty="0"/>
-          </a:p>
-        </p:txBody>
-      </p:sp>
-      <p:sp>
-        <p:nvSpPr>
-          <p:cNvPr id="16" name="正方形/長方形 15"/>
-          <p:cNvSpPr/>
-          <p:nvPr/>
-        </p:nvSpPr>
-        <p:spPr>
-          <a:xfrm>
-            <a:off x="557047" y="1310564"/>
-            <a:ext cx="3237187" cy="378372"/>
-          </a:xfrm>
-          <a:prstGeom prst="rect">
-            <a:avLst/>
-          </a:prstGeom>
-        </p:spPr>
-        <p:style>
-          <a:lnRef idx="2">
-            <a:schemeClr val="accent1">
-              <a:shade val="50000"/>
-            </a:schemeClr>
-          </a:lnRef>
-          <a:fillRef idx="1">
-            <a:schemeClr val="accent1"/>
-          </a:fillRef>
-          <a:effectRef idx="0">
-            <a:schemeClr val="accent1"/>
-          </a:effectRef>
-          <a:fontRef idx="minor">
-            <a:schemeClr val="lt1"/>
-          </a:fontRef>
-        </p:style>
-        <p:txBody>
-          <a:bodyPr rtlCol="0" anchor="ctr"/>
-          <a:lstStyle/>
-          <a:p>
-            <a:pPr algn="ctr"/>
-            <a:r>
-              <a:rPr lang="en-US" altLang="ja-JP" dirty="0" smtClean="0"/>
-              <a:t>Sign</a:t>
-            </a:r>
-            <a:r>
-              <a:rPr lang="ja-JP" altLang="en-US" dirty="0" smtClean="0"/>
-              <a:t> </a:t>
-            </a:r>
-            <a:r>
-              <a:rPr lang="en-US" altLang="ja-JP" dirty="0" smtClean="0"/>
-              <a:t>up</a:t>
-            </a:r>
-          </a:p>
-        </p:txBody>
-      </p:sp>
-      <p:sp>
-        <p:nvSpPr>
-          <p:cNvPr id="2" name="角丸四角形 1"/>
-          <p:cNvSpPr/>
-          <p:nvPr/>
-        </p:nvSpPr>
-        <p:spPr>
-          <a:xfrm>
-            <a:off x="838200" y="5621867"/>
-            <a:ext cx="956733" cy="338666"/>
+            <a:off x="977462" y="1765738"/>
+            <a:ext cx="2396359" cy="2039007"/>
           </a:xfrm>
           <a:prstGeom prst="roundRect">
             <a:avLst/>
@@ -5468,7 +6131,7 @@
             <a:pPr algn="ctr"/>
             <a:r>
               <a:rPr kumimoji="1" lang="ja-JP" altLang="en-US" dirty="0" smtClean="0"/>
-              <a:t>登録</a:t>
+              <a:t>ロゴ？</a:t>
             </a:r>
             <a:endParaRPr kumimoji="1" lang="ja-JP" altLang="en-US" dirty="0"/>
           </a:p>
@@ -5482,8 +6145,8 @@
         </p:nvSpPr>
         <p:spPr>
           <a:xfrm>
-            <a:off x="2497667" y="5621867"/>
-            <a:ext cx="956733" cy="338666"/>
+            <a:off x="977460" y="4127297"/>
+            <a:ext cx="2396359" cy="357352"/>
           </a:xfrm>
           <a:prstGeom prst="roundRect">
             <a:avLst/>
@@ -5511,141 +6174,244 @@
           <a:p>
             <a:pPr algn="ctr"/>
             <a:r>
-              <a:rPr lang="ja-JP" altLang="en-US" sz="1100" dirty="0"/>
-              <a:t>キャンセル</a:t>
-            </a:r>
-          </a:p>
-        </p:txBody>
-      </p:sp>
-      <p:sp>
-        <p:nvSpPr>
-          <p:cNvPr id="10" name="角丸四角形 9"/>
+              <a:rPr lang="en-US" altLang="ja-JP" dirty="0" smtClean="0"/>
+              <a:t>Facebook</a:t>
+            </a:r>
+            <a:r>
+              <a:rPr lang="ja-JP" altLang="en-US" dirty="0" smtClean="0"/>
+              <a:t>ログイン</a:t>
+            </a:r>
+            <a:endParaRPr kumimoji="1" lang="ja-JP" altLang="en-US" dirty="0"/>
+          </a:p>
+        </p:txBody>
+      </p:sp>
+      <p:sp>
+        <p:nvSpPr>
+          <p:cNvPr id="21" name="正方形/長方形 20"/>
           <p:cNvSpPr/>
           <p:nvPr/>
         </p:nvSpPr>
         <p:spPr>
           <a:xfrm>
-            <a:off x="1684866" y="2607734"/>
-            <a:ext cx="956733" cy="338666"/>
-          </a:xfrm>
-          <a:prstGeom prst="roundRect">
+            <a:off x="4014952" y="3782010"/>
+            <a:ext cx="2343808" cy="450464"/>
+          </a:xfrm>
+          <a:prstGeom prst="rect">
             <a:avLst/>
           </a:prstGeom>
         </p:spPr>
         <p:style>
           <a:lnRef idx="2">
-            <a:schemeClr val="accent1">
-              <a:shade val="50000"/>
-            </a:schemeClr>
+            <a:schemeClr val="dk1"/>
           </a:lnRef>
           <a:fillRef idx="1">
+            <a:schemeClr val="lt1"/>
+          </a:fillRef>
+          <a:effectRef idx="0">
+            <a:schemeClr val="dk1"/>
+          </a:effectRef>
+          <a:fontRef idx="minor">
+            <a:schemeClr val="dk1"/>
+          </a:fontRef>
+        </p:style>
+        <p:txBody>
+          <a:bodyPr rtlCol="0" anchor="ctr"/>
+          <a:lstStyle/>
+          <a:p>
+            <a:pPr algn="ctr"/>
+            <a:r>
+              <a:rPr lang="en-US" altLang="ja-JP" dirty="0" smtClean="0"/>
+              <a:t>Facebook</a:t>
+            </a:r>
+            <a:r>
+              <a:rPr lang="ja-JP" altLang="en-US" dirty="0" smtClean="0"/>
+              <a:t>ログイン</a:t>
+            </a:r>
+            <a:endParaRPr kumimoji="1" lang="ja-JP" altLang="en-US" dirty="0"/>
+          </a:p>
+        </p:txBody>
+      </p:sp>
+      <p:cxnSp>
+        <p:nvCxnSpPr>
+          <p:cNvPr id="23" name="直線コネクタ 22"/>
+          <p:cNvCxnSpPr>
+            <a:stCxn id="9" idx="3"/>
+            <a:endCxn id="21" idx="1"/>
+          </p:cNvCxnSpPr>
+          <p:nvPr/>
+        </p:nvCxnSpPr>
+        <p:spPr>
+          <a:xfrm flipV="1">
+            <a:off x="3373819" y="4007242"/>
+            <a:ext cx="641133" cy="298731"/>
+          </a:xfrm>
+          <a:prstGeom prst="line">
+            <a:avLst/>
+          </a:prstGeom>
+        </p:spPr>
+        <p:style>
+          <a:lnRef idx="1">
+            <a:schemeClr val="accent1"/>
+          </a:lnRef>
+          <a:fillRef idx="0">
             <a:schemeClr val="accent1"/>
           </a:fillRef>
           <a:effectRef idx="0">
             <a:schemeClr val="accent1"/>
           </a:effectRef>
           <a:fontRef idx="minor">
-            <a:schemeClr val="lt1"/>
+            <a:schemeClr val="tx1"/>
           </a:fontRef>
         </p:style>
-        <p:txBody>
-          <a:bodyPr rtlCol="0" anchor="ctr"/>
-          <a:lstStyle/>
-          <a:p>
-            <a:pPr algn="ctr"/>
-            <a:r>
-              <a:rPr kumimoji="1" lang="ja-JP" altLang="en-US" dirty="0" smtClean="0"/>
-              <a:t>登録</a:t>
-            </a:r>
-            <a:endParaRPr kumimoji="1" lang="ja-JP" altLang="en-US" dirty="0"/>
-          </a:p>
-        </p:txBody>
-      </p:sp>
-      <p:sp>
-        <p:nvSpPr>
-          <p:cNvPr id="11" name="角丸四角形 10"/>
+      </p:cxnSp>
+      <p:sp>
+        <p:nvSpPr>
+          <p:cNvPr id="24" name="正方形/長方形 23"/>
           <p:cNvSpPr/>
           <p:nvPr/>
         </p:nvSpPr>
         <p:spPr>
           <a:xfrm>
-            <a:off x="1261531" y="2030233"/>
-            <a:ext cx="1837270" cy="1727198"/>
-          </a:xfrm>
-          <a:prstGeom prst="roundRect">
+            <a:off x="6642538" y="451945"/>
+            <a:ext cx="5402317" cy="6180083"/>
+          </a:xfrm>
+          <a:prstGeom prst="rect">
             <a:avLst/>
           </a:prstGeom>
         </p:spPr>
         <p:style>
           <a:lnRef idx="2">
-            <a:schemeClr val="accent1">
-              <a:shade val="50000"/>
-            </a:schemeClr>
+            <a:schemeClr val="accent2"/>
           </a:lnRef>
           <a:fillRef idx="1">
-            <a:schemeClr val="accent1"/>
+            <a:schemeClr val="lt1"/>
           </a:fillRef>
           <a:effectRef idx="0">
-            <a:schemeClr val="accent1"/>
+            <a:schemeClr val="accent2"/>
           </a:effectRef>
           <a:fontRef idx="minor">
-            <a:schemeClr val="lt1"/>
+            <a:schemeClr val="dk1"/>
           </a:fontRef>
         </p:style>
         <p:txBody>
           <a:bodyPr rtlCol="0" anchor="ctr"/>
           <a:lstStyle/>
           <a:p>
-            <a:pPr algn="ctr"/>
+            <a:pPr marL="285750" indent="-285750">
+              <a:buFont typeface="Arial" charset="0"/>
+              <a:buChar char="•"/>
+            </a:pPr>
+            <a:r>
+              <a:rPr kumimoji="1" lang="en-US" altLang="ja-JP" dirty="0" smtClean="0"/>
+              <a:t>Facebook</a:t>
+            </a:r>
             <a:r>
               <a:rPr kumimoji="1" lang="ja-JP" altLang="en-US" dirty="0" smtClean="0"/>
-              <a:t>（可能なら）</a:t>
+              <a:t>ログイン</a:t>
             </a:r>
             <a:endParaRPr kumimoji="1" lang="en-US" altLang="ja-JP" dirty="0" smtClean="0"/>
           </a:p>
           <a:p>
-            <a:pPr algn="ctr"/>
+            <a:pPr marL="285750" indent="-285750">
+              <a:buFont typeface="Arial" charset="0"/>
+              <a:buChar char="•"/>
+            </a:pPr>
+            <a:r>
+              <a:rPr kumimoji="1" lang="ja-JP" altLang="en-US" dirty="0" smtClean="0"/>
+              <a:t>ログインしていない場合、他の機能に行かない</a:t>
+            </a:r>
+            <a:endParaRPr kumimoji="1" lang="en-US" altLang="ja-JP" dirty="0" smtClean="0"/>
+          </a:p>
+          <a:p>
+            <a:pPr marL="285750" indent="-285750">
+              <a:buFont typeface="Arial" charset="0"/>
+              <a:buChar char="•"/>
+            </a:pPr>
+            <a:r>
+              <a:rPr lang="ja-JP" altLang="en-US" dirty="0" smtClean="0"/>
+              <a:t>ログインしている場合は</a:t>
+            </a:r>
+            <a:r>
+              <a:rPr lang="en-US" altLang="ja-JP" dirty="0" smtClean="0"/>
+              <a:t>HUD</a:t>
+            </a:r>
+            <a:r>
+              <a:rPr lang="ja-JP" altLang="en-US" dirty="0" smtClean="0"/>
+              <a:t>に直接飛ぶ</a:t>
+            </a:r>
+            <a:endParaRPr lang="en-US" altLang="ja-JP" dirty="0" smtClean="0"/>
+          </a:p>
+          <a:p>
+            <a:pPr marL="285750" indent="-285750">
+              <a:buFont typeface="Arial" charset="0"/>
+              <a:buChar char="•"/>
+            </a:pPr>
+            <a:r>
+              <a:rPr kumimoji="1" lang="en-US" altLang="ja-JP" dirty="0" smtClean="0"/>
+              <a:t>Facebook</a:t>
+            </a:r>
+            <a:r>
+              <a:rPr kumimoji="1" lang="ja-JP" altLang="en-US" dirty="0" smtClean="0"/>
+              <a:t>ログインの結果初めてのログインであれば会員登録を行う</a:t>
+            </a:r>
+            <a:endParaRPr kumimoji="1" lang="en-US" altLang="ja-JP" dirty="0" smtClean="0"/>
+          </a:p>
+          <a:p>
+            <a:pPr marL="285750" indent="-285750">
+              <a:buFont typeface="Arial" charset="0"/>
+              <a:buChar char="•"/>
+            </a:pPr>
+            <a:r>
+              <a:rPr lang="ja-JP" altLang="en-US" dirty="0" smtClean="0"/>
+              <a:t>すでに会員の</a:t>
+            </a:r>
             <a:r>
               <a:rPr lang="en-US" altLang="ja-JP" dirty="0" smtClean="0"/>
               <a:t>FB</a:t>
             </a:r>
             <a:r>
               <a:rPr lang="ja-JP" altLang="en-US" dirty="0" smtClean="0"/>
-              <a:t>のアイコン</a:t>
-            </a:r>
-            <a:endParaRPr lang="en-US" altLang="ja-JP" dirty="0" smtClean="0"/>
-          </a:p>
-        </p:txBody>
-      </p:sp>
-      <p:sp>
-        <p:nvSpPr>
-          <p:cNvPr id="12" name="角丸四角形 11"/>
+              <a:t>ユーザであれば</a:t>
+            </a:r>
+            <a:r>
+              <a:rPr lang="en-US" altLang="ja-JP" dirty="0" smtClean="0"/>
+              <a:t>HUD</a:t>
+            </a:r>
+            <a:r>
+              <a:rPr lang="ja-JP" altLang="en-US" dirty="0" smtClean="0"/>
+              <a:t>に飛ぶ</a:t>
+            </a:r>
+            <a:endParaRPr kumimoji="1" lang="ja-JP" altLang="en-US" dirty="0"/>
+          </a:p>
+        </p:txBody>
+      </p:sp>
+      <p:sp>
+        <p:nvSpPr>
+          <p:cNvPr id="25" name="正方形/長方形 24"/>
           <p:cNvSpPr/>
           <p:nvPr/>
         </p:nvSpPr>
         <p:spPr>
           <a:xfrm>
-            <a:off x="1098330" y="4014084"/>
-            <a:ext cx="2163674" cy="506232"/>
-          </a:xfrm>
-          <a:prstGeom prst="roundRect">
+            <a:off x="6642538" y="451945"/>
+            <a:ext cx="5402317" cy="399393"/>
+          </a:xfrm>
+          <a:prstGeom prst="rect">
             <a:avLst/>
           </a:prstGeom>
         </p:spPr>
         <p:style>
-          <a:lnRef idx="2">
-            <a:schemeClr val="accent1">
-              <a:shade val="50000"/>
-            </a:schemeClr>
+          <a:lnRef idx="1">
+            <a:schemeClr val="accent2"/>
           </a:lnRef>
-          <a:fillRef idx="1">
-            <a:schemeClr val="accent1"/>
+          <a:fillRef idx="2">
+            <a:schemeClr val="accent2"/>
           </a:fillRef>
-          <a:effectRef idx="0">
-            <a:schemeClr val="accent1"/>
+          <a:effectRef idx="1">
+            <a:schemeClr val="accent2"/>
           </a:effectRef>
           <a:fontRef idx="minor">
-            <a:schemeClr val="lt1"/>
+            <a:schemeClr val="dk1"/>
           </a:fontRef>
         </p:style>
         <p:txBody>
@@ -5654,8 +6420,8 @@
           <a:p>
             <a:pPr algn="ctr"/>
             <a:r>
-              <a:rPr kumimoji="1" lang="ja-JP" altLang="en-US" smtClean="0"/>
-              <a:t>プレーヤーネーム</a:t>
+              <a:rPr kumimoji="1" lang="ja-JP" altLang="en-US" dirty="0" smtClean="0"/>
+              <a:t>機能要件</a:t>
             </a:r>
             <a:endParaRPr kumimoji="1" lang="ja-JP" altLang="en-US" dirty="0"/>
           </a:p>
@@ -5664,7 +6430,7 @@
     </p:spTree>
     <p:extLst>
       <p:ext uri="{BB962C8B-B14F-4D97-AF65-F5344CB8AC3E}">
-        <p14:creationId xmlns:p14="http://schemas.microsoft.com/office/powerpoint/2010/main" val="1764150460"/>
+        <p14:creationId xmlns:p14="http://schemas.microsoft.com/office/powerpoint/2010/main" val="1822787051"/>
       </p:ext>
     </p:extLst>
   </p:cSld>
@@ -5693,14 +6459,37 @@
       </p:grpSpPr>
       <p:sp>
         <p:nvSpPr>
+          <p:cNvPr id="4" name="タイトル 3"/>
+          <p:cNvSpPr>
+            <a:spLocks noGrp="1"/>
+          </p:cNvSpPr>
+          <p:nvPr>
+            <p:ph type="title"/>
+          </p:nvPr>
+        </p:nvSpPr>
+        <p:spPr/>
+        <p:txBody>
+          <a:bodyPr/>
+          <a:lstStyle/>
+          <a:p>
+            <a:r>
+              <a:rPr lang="ja-JP" altLang="en-US" dirty="0" smtClean="0"/>
+              <a:t>会員登録ページ（仮）</a:t>
+            </a:r>
+            <a:endParaRPr kumimoji="1" lang="ja-JP" altLang="en-US" dirty="0"/>
+          </a:p>
+        </p:txBody>
+      </p:sp>
+      <p:sp>
+        <p:nvSpPr>
           <p:cNvPr id="5" name="正方形/長方形 4"/>
           <p:cNvSpPr/>
           <p:nvPr/>
         </p:nvSpPr>
         <p:spPr>
           <a:xfrm>
-            <a:off x="557047" y="1309512"/>
-            <a:ext cx="3237187" cy="5324968"/>
+            <a:off x="557047" y="1310564"/>
+            <a:ext cx="3237187" cy="4993891"/>
           </a:xfrm>
           <a:prstGeom prst="rect">
             <a:avLst/>
@@ -5731,14 +6520,138 @@
       </p:sp>
       <p:sp>
         <p:nvSpPr>
-          <p:cNvPr id="6" name="正方形/長方形 5"/>
+          <p:cNvPr id="24" name="正方形/長方形 23"/>
           <p:cNvSpPr/>
           <p:nvPr/>
         </p:nvSpPr>
         <p:spPr>
           <a:xfrm>
-            <a:off x="556389" y="6076506"/>
-            <a:ext cx="3237187" cy="564555"/>
+            <a:off x="6642538" y="451945"/>
+            <a:ext cx="5402317" cy="6180083"/>
+          </a:xfrm>
+          <a:prstGeom prst="rect">
+            <a:avLst/>
+          </a:prstGeom>
+        </p:spPr>
+        <p:style>
+          <a:lnRef idx="2">
+            <a:schemeClr val="accent2"/>
+          </a:lnRef>
+          <a:fillRef idx="1">
+            <a:schemeClr val="lt1"/>
+          </a:fillRef>
+          <a:effectRef idx="0">
+            <a:schemeClr val="accent2"/>
+          </a:effectRef>
+          <a:fontRef idx="minor">
+            <a:schemeClr val="dk1"/>
+          </a:fontRef>
+        </p:style>
+        <p:txBody>
+          <a:bodyPr rtlCol="0" anchor="ctr"/>
+          <a:lstStyle/>
+          <a:p>
+            <a:pPr marL="285750" indent="-285750">
+              <a:buFont typeface="Arial" charset="0"/>
+              <a:buChar char="•"/>
+            </a:pPr>
+            <a:r>
+              <a:rPr lang="en-US" altLang="ja-JP" dirty="0"/>
+              <a:t>Facebook</a:t>
+            </a:r>
+            <a:r>
+              <a:rPr lang="ja-JP" altLang="en-US" dirty="0" smtClean="0"/>
+              <a:t>ログイン後に表示する</a:t>
+            </a:r>
+            <a:endParaRPr lang="en-US" altLang="ja-JP" dirty="0"/>
+          </a:p>
+          <a:p>
+            <a:pPr marL="285750" indent="-285750">
+              <a:buFont typeface="Arial" charset="0"/>
+              <a:buChar char="•"/>
+            </a:pPr>
+            <a:r>
+              <a:rPr lang="ja-JP" altLang="en-US" dirty="0"/>
+              <a:t>ログインしていない場合、他の機能に</a:t>
+            </a:r>
+            <a:r>
+              <a:rPr lang="ja-JP" altLang="en-US" dirty="0" smtClean="0"/>
+              <a:t>行かない</a:t>
+            </a:r>
+            <a:endParaRPr lang="en-US" altLang="ja-JP" dirty="0" smtClean="0"/>
+          </a:p>
+          <a:p>
+            <a:pPr marL="285750" indent="-285750">
+              <a:buFont typeface="Arial" charset="0"/>
+              <a:buChar char="•"/>
+            </a:pPr>
+            <a:r>
+              <a:rPr lang="ja-JP" altLang="en-US" dirty="0" smtClean="0"/>
+              <a:t>サーバ側と通信して会員登録を行う</a:t>
+            </a:r>
+            <a:endParaRPr lang="en-US" altLang="ja-JP" dirty="0"/>
+          </a:p>
+          <a:p>
+            <a:pPr marL="285750" indent="-285750">
+              <a:buFont typeface="Arial" charset="0"/>
+              <a:buChar char="•"/>
+            </a:pPr>
+            <a:endParaRPr lang="en-US" altLang="ja-JP" dirty="0" smtClean="0"/>
+          </a:p>
+        </p:txBody>
+      </p:sp>
+      <p:sp>
+        <p:nvSpPr>
+          <p:cNvPr id="25" name="正方形/長方形 24"/>
+          <p:cNvSpPr/>
+          <p:nvPr/>
+        </p:nvSpPr>
+        <p:spPr>
+          <a:xfrm>
+            <a:off x="6642538" y="451945"/>
+            <a:ext cx="5402317" cy="399393"/>
+          </a:xfrm>
+          <a:prstGeom prst="rect">
+            <a:avLst/>
+          </a:prstGeom>
+        </p:spPr>
+        <p:style>
+          <a:lnRef idx="1">
+            <a:schemeClr val="accent2"/>
+          </a:lnRef>
+          <a:fillRef idx="2">
+            <a:schemeClr val="accent2"/>
+          </a:fillRef>
+          <a:effectRef idx="1">
+            <a:schemeClr val="accent2"/>
+          </a:effectRef>
+          <a:fontRef idx="minor">
+            <a:schemeClr val="dk1"/>
+          </a:fontRef>
+        </p:style>
+        <p:txBody>
+          <a:bodyPr rtlCol="0" anchor="ctr"/>
+          <a:lstStyle/>
+          <a:p>
+            <a:pPr algn="ctr"/>
+            <a:r>
+              <a:rPr kumimoji="1" lang="ja-JP" altLang="en-US" dirty="0" smtClean="0"/>
+              <a:t>機能要件</a:t>
+            </a:r>
+            <a:endParaRPr kumimoji="1" lang="ja-JP" altLang="en-US" dirty="0"/>
+          </a:p>
+        </p:txBody>
+      </p:sp>
+      <p:sp>
+        <p:nvSpPr>
+          <p:cNvPr id="16" name="正方形/長方形 15"/>
+          <p:cNvSpPr/>
+          <p:nvPr/>
+        </p:nvSpPr>
+        <p:spPr>
+          <a:xfrm>
+            <a:off x="557047" y="1310564"/>
+            <a:ext cx="3237187" cy="378372"/>
           </a:xfrm>
           <a:prstGeom prst="rect">
             <a:avLst/>
@@ -5766,6 +6679,356 @@
           <a:p>
             <a:pPr algn="ctr"/>
             <a:r>
+              <a:rPr lang="en-US" altLang="ja-JP" dirty="0" smtClean="0"/>
+              <a:t>Sign</a:t>
+            </a:r>
+            <a:r>
+              <a:rPr lang="ja-JP" altLang="en-US" dirty="0" smtClean="0"/>
+              <a:t> </a:t>
+            </a:r>
+            <a:r>
+              <a:rPr lang="en-US" altLang="ja-JP" dirty="0" smtClean="0"/>
+              <a:t>up</a:t>
+            </a:r>
+          </a:p>
+        </p:txBody>
+      </p:sp>
+      <p:sp>
+        <p:nvSpPr>
+          <p:cNvPr id="2" name="角丸四角形 1"/>
+          <p:cNvSpPr/>
+          <p:nvPr/>
+        </p:nvSpPr>
+        <p:spPr>
+          <a:xfrm>
+            <a:off x="838200" y="5621867"/>
+            <a:ext cx="956733" cy="338666"/>
+          </a:xfrm>
+          <a:prstGeom prst="roundRect">
+            <a:avLst/>
+          </a:prstGeom>
+        </p:spPr>
+        <p:style>
+          <a:lnRef idx="2">
+            <a:schemeClr val="accent1">
+              <a:shade val="50000"/>
+            </a:schemeClr>
+          </a:lnRef>
+          <a:fillRef idx="1">
+            <a:schemeClr val="accent1"/>
+          </a:fillRef>
+          <a:effectRef idx="0">
+            <a:schemeClr val="accent1"/>
+          </a:effectRef>
+          <a:fontRef idx="minor">
+            <a:schemeClr val="lt1"/>
+          </a:fontRef>
+        </p:style>
+        <p:txBody>
+          <a:bodyPr rtlCol="0" anchor="ctr"/>
+          <a:lstStyle/>
+          <a:p>
+            <a:pPr algn="ctr"/>
+            <a:r>
+              <a:rPr kumimoji="1" lang="ja-JP" altLang="en-US" dirty="0" smtClean="0"/>
+              <a:t>登録</a:t>
+            </a:r>
+            <a:endParaRPr kumimoji="1" lang="ja-JP" altLang="en-US" dirty="0"/>
+          </a:p>
+        </p:txBody>
+      </p:sp>
+      <p:sp>
+        <p:nvSpPr>
+          <p:cNvPr id="9" name="角丸四角形 8"/>
+          <p:cNvSpPr/>
+          <p:nvPr/>
+        </p:nvSpPr>
+        <p:spPr>
+          <a:xfrm>
+            <a:off x="2497667" y="5621867"/>
+            <a:ext cx="956733" cy="338666"/>
+          </a:xfrm>
+          <a:prstGeom prst="roundRect">
+            <a:avLst/>
+          </a:prstGeom>
+        </p:spPr>
+        <p:style>
+          <a:lnRef idx="2">
+            <a:schemeClr val="accent1">
+              <a:shade val="50000"/>
+            </a:schemeClr>
+          </a:lnRef>
+          <a:fillRef idx="1">
+            <a:schemeClr val="accent1"/>
+          </a:fillRef>
+          <a:effectRef idx="0">
+            <a:schemeClr val="accent1"/>
+          </a:effectRef>
+          <a:fontRef idx="minor">
+            <a:schemeClr val="lt1"/>
+          </a:fontRef>
+        </p:style>
+        <p:txBody>
+          <a:bodyPr rtlCol="0" anchor="ctr"/>
+          <a:lstStyle/>
+          <a:p>
+            <a:pPr algn="ctr"/>
+            <a:r>
+              <a:rPr lang="ja-JP" altLang="en-US" sz="1100" dirty="0"/>
+              <a:t>キャンセル</a:t>
+            </a:r>
+          </a:p>
+        </p:txBody>
+      </p:sp>
+      <p:sp>
+        <p:nvSpPr>
+          <p:cNvPr id="10" name="角丸四角形 9"/>
+          <p:cNvSpPr/>
+          <p:nvPr/>
+        </p:nvSpPr>
+        <p:spPr>
+          <a:xfrm>
+            <a:off x="1684866" y="2607734"/>
+            <a:ext cx="956733" cy="338666"/>
+          </a:xfrm>
+          <a:prstGeom prst="roundRect">
+            <a:avLst/>
+          </a:prstGeom>
+        </p:spPr>
+        <p:style>
+          <a:lnRef idx="2">
+            <a:schemeClr val="accent1">
+              <a:shade val="50000"/>
+            </a:schemeClr>
+          </a:lnRef>
+          <a:fillRef idx="1">
+            <a:schemeClr val="accent1"/>
+          </a:fillRef>
+          <a:effectRef idx="0">
+            <a:schemeClr val="accent1"/>
+          </a:effectRef>
+          <a:fontRef idx="minor">
+            <a:schemeClr val="lt1"/>
+          </a:fontRef>
+        </p:style>
+        <p:txBody>
+          <a:bodyPr rtlCol="0" anchor="ctr"/>
+          <a:lstStyle/>
+          <a:p>
+            <a:pPr algn="ctr"/>
+            <a:r>
+              <a:rPr kumimoji="1" lang="ja-JP" altLang="en-US" dirty="0" smtClean="0"/>
+              <a:t>登録</a:t>
+            </a:r>
+            <a:endParaRPr kumimoji="1" lang="ja-JP" altLang="en-US" dirty="0"/>
+          </a:p>
+        </p:txBody>
+      </p:sp>
+      <p:sp>
+        <p:nvSpPr>
+          <p:cNvPr id="11" name="角丸四角形 10"/>
+          <p:cNvSpPr/>
+          <p:nvPr/>
+        </p:nvSpPr>
+        <p:spPr>
+          <a:xfrm>
+            <a:off x="1261531" y="2030233"/>
+            <a:ext cx="1837270" cy="1727198"/>
+          </a:xfrm>
+          <a:prstGeom prst="roundRect">
+            <a:avLst/>
+          </a:prstGeom>
+        </p:spPr>
+        <p:style>
+          <a:lnRef idx="2">
+            <a:schemeClr val="accent1">
+              <a:shade val="50000"/>
+            </a:schemeClr>
+          </a:lnRef>
+          <a:fillRef idx="1">
+            <a:schemeClr val="accent1"/>
+          </a:fillRef>
+          <a:effectRef idx="0">
+            <a:schemeClr val="accent1"/>
+          </a:effectRef>
+          <a:fontRef idx="minor">
+            <a:schemeClr val="lt1"/>
+          </a:fontRef>
+        </p:style>
+        <p:txBody>
+          <a:bodyPr rtlCol="0" anchor="ctr"/>
+          <a:lstStyle/>
+          <a:p>
+            <a:pPr algn="ctr"/>
+            <a:r>
+              <a:rPr kumimoji="1" lang="ja-JP" altLang="en-US" dirty="0" smtClean="0"/>
+              <a:t>（可能なら）</a:t>
+            </a:r>
+            <a:endParaRPr kumimoji="1" lang="en-US" altLang="ja-JP" dirty="0" smtClean="0"/>
+          </a:p>
+          <a:p>
+            <a:pPr algn="ctr"/>
+            <a:r>
+              <a:rPr lang="en-US" altLang="ja-JP" dirty="0" smtClean="0"/>
+              <a:t>FB</a:t>
+            </a:r>
+            <a:r>
+              <a:rPr lang="ja-JP" altLang="en-US" dirty="0" smtClean="0"/>
+              <a:t>のアイコン</a:t>
+            </a:r>
+            <a:endParaRPr lang="en-US" altLang="ja-JP" dirty="0" smtClean="0"/>
+          </a:p>
+        </p:txBody>
+      </p:sp>
+      <p:sp>
+        <p:nvSpPr>
+          <p:cNvPr id="12" name="角丸四角形 11"/>
+          <p:cNvSpPr/>
+          <p:nvPr/>
+        </p:nvSpPr>
+        <p:spPr>
+          <a:xfrm>
+            <a:off x="1098330" y="4014084"/>
+            <a:ext cx="2163674" cy="506232"/>
+          </a:xfrm>
+          <a:prstGeom prst="roundRect">
+            <a:avLst/>
+          </a:prstGeom>
+        </p:spPr>
+        <p:style>
+          <a:lnRef idx="2">
+            <a:schemeClr val="accent1">
+              <a:shade val="50000"/>
+            </a:schemeClr>
+          </a:lnRef>
+          <a:fillRef idx="1">
+            <a:schemeClr val="accent1"/>
+          </a:fillRef>
+          <a:effectRef idx="0">
+            <a:schemeClr val="accent1"/>
+          </a:effectRef>
+          <a:fontRef idx="minor">
+            <a:schemeClr val="lt1"/>
+          </a:fontRef>
+        </p:style>
+        <p:txBody>
+          <a:bodyPr rtlCol="0" anchor="ctr"/>
+          <a:lstStyle/>
+          <a:p>
+            <a:pPr algn="ctr"/>
+            <a:r>
+              <a:rPr kumimoji="1" lang="ja-JP" altLang="en-US" smtClean="0"/>
+              <a:t>プレーヤーネーム</a:t>
+            </a:r>
+            <a:endParaRPr kumimoji="1" lang="ja-JP" altLang="en-US" dirty="0"/>
+          </a:p>
+        </p:txBody>
+      </p:sp>
+    </p:spTree>
+    <p:extLst>
+      <p:ext uri="{BB962C8B-B14F-4D97-AF65-F5344CB8AC3E}">
+        <p14:creationId xmlns:p14="http://schemas.microsoft.com/office/powerpoint/2010/main" val="1764150460"/>
+      </p:ext>
+    </p:extLst>
+  </p:cSld>
+  <p:clrMapOvr>
+    <a:masterClrMapping/>
+  </p:clrMapOvr>
+</p:sld>
+</file>
+
+<file path=ppt/slides/slide7.xml><?xml version="1.0" encoding="utf-8"?>
+<p:sld xmlns:a="http://schemas.openxmlformats.org/drawingml/2006/main" xmlns:r="http://schemas.openxmlformats.org/officeDocument/2006/relationships" xmlns:p="http://schemas.openxmlformats.org/presentationml/2006/main">
+  <p:cSld>
+    <p:spTree>
+      <p:nvGrpSpPr>
+        <p:cNvPr id="1" name=""/>
+        <p:cNvGrpSpPr/>
+        <p:nvPr/>
+      </p:nvGrpSpPr>
+      <p:grpSpPr>
+        <a:xfrm>
+          <a:off x="0" y="0"/>
+          <a:ext cx="0" cy="0"/>
+          <a:chOff x="0" y="0"/>
+          <a:chExt cx="0" cy="0"/>
+        </a:xfrm>
+      </p:grpSpPr>
+      <p:sp>
+        <p:nvSpPr>
+          <p:cNvPr id="5" name="正方形/長方形 4"/>
+          <p:cNvSpPr/>
+          <p:nvPr/>
+        </p:nvSpPr>
+        <p:spPr>
+          <a:xfrm>
+            <a:off x="557047" y="1309512"/>
+            <a:ext cx="3237187" cy="5324968"/>
+          </a:xfrm>
+          <a:prstGeom prst="rect">
+            <a:avLst/>
+          </a:prstGeom>
+        </p:spPr>
+        <p:style>
+          <a:lnRef idx="2">
+            <a:schemeClr val="dk1"/>
+          </a:lnRef>
+          <a:fillRef idx="1">
+            <a:schemeClr val="lt1"/>
+          </a:fillRef>
+          <a:effectRef idx="0">
+            <a:schemeClr val="dk1"/>
+          </a:effectRef>
+          <a:fontRef idx="minor">
+            <a:schemeClr val="dk1"/>
+          </a:fontRef>
+        </p:style>
+        <p:txBody>
+          <a:bodyPr rtlCol="0" anchor="ctr"/>
+          <a:lstStyle/>
+          <a:p>
+            <a:pPr algn="ctr"/>
+            <a:endParaRPr kumimoji="1" lang="ja-JP" altLang="en-US"/>
+          </a:p>
+        </p:txBody>
+      </p:sp>
+      <p:sp>
+        <p:nvSpPr>
+          <p:cNvPr id="6" name="正方形/長方形 5"/>
+          <p:cNvSpPr/>
+          <p:nvPr/>
+        </p:nvSpPr>
+        <p:spPr>
+          <a:xfrm>
+            <a:off x="556389" y="6076506"/>
+            <a:ext cx="3237187" cy="564555"/>
+          </a:xfrm>
+          <a:prstGeom prst="rect">
+            <a:avLst/>
+          </a:prstGeom>
+        </p:spPr>
+        <p:style>
+          <a:lnRef idx="2">
+            <a:schemeClr val="accent1">
+              <a:shade val="50000"/>
+            </a:schemeClr>
+          </a:lnRef>
+          <a:fillRef idx="1">
+            <a:schemeClr val="accent1"/>
+          </a:fillRef>
+          <a:effectRef idx="0">
+            <a:schemeClr val="accent1"/>
+          </a:effectRef>
+          <a:fontRef idx="minor">
+            <a:schemeClr val="lt1"/>
+          </a:fontRef>
+        </p:style>
+        <p:txBody>
+          <a:bodyPr rtlCol="0" anchor="ctr"/>
+          <a:lstStyle/>
+          <a:p>
+            <a:pPr algn="ctr"/>
+            <a:r>
               <a:rPr kumimoji="1" lang="ja-JP" altLang="en-US" dirty="0" smtClean="0"/>
               <a:t>フッターエリア</a:t>
             </a:r>
@@ -5938,11 +7201,7 @@
             </a:r>
             <a:r>
               <a:rPr lang="ja-JP" altLang="en-US" dirty="0" smtClean="0"/>
-              <a:t>を表示することが</a:t>
-            </a:r>
-            <a:r>
-              <a:rPr lang="ja-JP" altLang="en-US" dirty="0" smtClean="0"/>
-              <a:t>できる</a:t>
+              <a:t>を表示することができる</a:t>
             </a:r>
             <a:endParaRPr lang="en-US" altLang="ja-JP" dirty="0" smtClean="0"/>
           </a:p>
@@ -8025,7 +9284,7 @@
 </p:sld>
 </file>
 
-<file path=ppt/slides/slide7.xml><?xml version="1.0" encoding="utf-8"?>
+<file path=ppt/slides/slide8.xml><?xml version="1.0" encoding="utf-8"?>
 <p:sld xmlns:a="http://schemas.openxmlformats.org/drawingml/2006/main" xmlns:r="http://schemas.openxmlformats.org/officeDocument/2006/relationships" xmlns:p="http://schemas.openxmlformats.org/presentationml/2006/main">
   <p:cSld>
     <p:spTree>
@@ -9256,7 +10515,7 @@
 </p:sld>
 </file>
 
-<file path=ppt/slides/slide8.xml><?xml version="1.0" encoding="utf-8"?>
+<file path=ppt/slides/slide9.xml><?xml version="1.0" encoding="utf-8"?>
 <p:sld xmlns:a="http://schemas.openxmlformats.org/drawingml/2006/main" xmlns:r="http://schemas.openxmlformats.org/officeDocument/2006/relationships" xmlns:p="http://schemas.openxmlformats.org/presentationml/2006/main">
   <p:cSld>
     <p:spTree>
@@ -9388,11 +10647,7 @@
             </a:pPr>
             <a:r>
               <a:rPr lang="ja-JP" altLang="en-US" dirty="0" smtClean="0"/>
-              <a:t>（</a:t>
-            </a:r>
-            <a:r>
-              <a:rPr lang="ja-JP" altLang="en-US" dirty="0" smtClean="0"/>
-              <a:t>仮）自分の順位を確認できる</a:t>
+              <a:t>（仮）自分の順位を確認できる</a:t>
             </a:r>
             <a:endParaRPr lang="en-US" altLang="ja-JP" dirty="0" smtClean="0"/>
           </a:p>
@@ -9658,11 +10913,7 @@
             <a:p>
               <a:r>
                 <a:rPr lang="en-US" altLang="ja-JP" dirty="0" smtClean="0"/>
-                <a:t>2nd</a:t>
-              </a:r>
-              <a:r>
-                <a:rPr lang="en-US" altLang="ja-JP" dirty="0" smtClean="0"/>
-                <a:t> </a:t>
+                <a:t>2nd </a:t>
               </a:r>
               <a:endParaRPr kumimoji="1" lang="ja-JP" altLang="en-US" dirty="0"/>
             </a:p>
@@ -9714,7 +10965,6 @@
                 <a:rPr lang="ja-JP" altLang="en-US" dirty="0"/>
                 <a:t>数）</a:t>
               </a:r>
-              <a:endParaRPr lang="ja-JP" altLang="en-US" dirty="0"/>
             </a:p>
           </p:txBody>
         </p:sp>
@@ -9768,11 +11018,7 @@
             <a:p>
               <a:r>
                 <a:rPr lang="en-US" altLang="ja-JP" dirty="0" smtClean="0"/>
-                <a:t>3rd</a:t>
-              </a:r>
-              <a:r>
-                <a:rPr lang="en-US" altLang="ja-JP" dirty="0" smtClean="0"/>
-                <a:t> </a:t>
+                <a:t>3rd </a:t>
               </a:r>
               <a:endParaRPr kumimoji="1" lang="ja-JP" altLang="en-US" dirty="0"/>
             </a:p>
@@ -9824,7 +11070,6 @@
                 <a:rPr lang="ja-JP" altLang="en-US" dirty="0"/>
                 <a:t>数）</a:t>
               </a:r>
-              <a:endParaRPr lang="ja-JP" altLang="en-US" dirty="0"/>
             </a:p>
           </p:txBody>
         </p:sp>
@@ -9878,11 +11123,7 @@
             <a:p>
               <a:r>
                 <a:rPr lang="en-US" altLang="ja-JP" dirty="0" smtClean="0"/>
-                <a:t>4th</a:t>
-              </a:r>
-              <a:r>
-                <a:rPr lang="en-US" altLang="ja-JP" dirty="0" smtClean="0"/>
-                <a:t> </a:t>
+                <a:t>4th </a:t>
               </a:r>
               <a:endParaRPr kumimoji="1" lang="ja-JP" altLang="en-US" dirty="0"/>
             </a:p>
@@ -9934,7 +11175,6 @@
                 <a:rPr lang="ja-JP" altLang="en-US" dirty="0"/>
                 <a:t>数）</a:t>
               </a:r>
-              <a:endParaRPr lang="ja-JP" altLang="en-US" dirty="0"/>
             </a:p>
           </p:txBody>
         </p:sp>
@@ -10040,7 +11280,6 @@
                 <a:rPr lang="ja-JP" altLang="en-US" dirty="0"/>
                 <a:t>数）</a:t>
               </a:r>
-              <a:endParaRPr lang="ja-JP" altLang="en-US" dirty="0"/>
             </a:p>
           </p:txBody>
         </p:sp>
@@ -10146,7 +11385,6 @@
                 <a:rPr lang="ja-JP" altLang="en-US" dirty="0"/>
                 <a:t>数）</a:t>
               </a:r>
-              <a:endParaRPr lang="ja-JP" altLang="en-US" dirty="0"/>
             </a:p>
           </p:txBody>
         </p:sp>
@@ -10200,11 +11438,7 @@
             <a:p>
               <a:r>
                 <a:rPr lang="en-US" altLang="ja-JP" dirty="0" smtClean="0"/>
-                <a:t>7th</a:t>
-              </a:r>
-              <a:r>
-                <a:rPr lang="en-US" altLang="ja-JP" dirty="0" smtClean="0"/>
-                <a:t> </a:t>
+                <a:t>7th </a:t>
               </a:r>
               <a:endParaRPr kumimoji="1" lang="ja-JP" altLang="en-US" dirty="0"/>
             </a:p>
@@ -10256,7 +11490,6 @@
                 <a:rPr lang="ja-JP" altLang="en-US" dirty="0"/>
                 <a:t>数）</a:t>
               </a:r>
-              <a:endParaRPr lang="ja-JP" altLang="en-US" dirty="0"/>
             </a:p>
           </p:txBody>
         </p:sp>
@@ -10362,7 +11595,6 @@
                 <a:rPr lang="ja-JP" altLang="en-US" dirty="0"/>
                 <a:t>数）</a:t>
               </a:r>
-              <a:endParaRPr lang="ja-JP" altLang="en-US" dirty="0"/>
             </a:p>
           </p:txBody>
         </p:sp>
@@ -10468,7 +11700,6 @@
                 <a:rPr lang="ja-JP" altLang="en-US" dirty="0"/>
                 <a:t>数）</a:t>
               </a:r>
-              <a:endParaRPr lang="ja-JP" altLang="en-US" dirty="0"/>
             </a:p>
           </p:txBody>
         </p:sp>
@@ -10521,330 +11752,6 @@
     <p:extLst>
       <p:ext uri="{BB962C8B-B14F-4D97-AF65-F5344CB8AC3E}">
         <p14:creationId xmlns:p14="http://schemas.microsoft.com/office/powerpoint/2010/main" val="1154752728"/>
-      </p:ext>
-    </p:extLst>
-  </p:cSld>
-  <p:clrMapOvr>
-    <a:masterClrMapping/>
-  </p:clrMapOvr>
-</p:sld>
-</file>
-
-<file path=ppt/slides/slide9.xml><?xml version="1.0" encoding="utf-8"?>
-<p:sld xmlns:a="http://schemas.openxmlformats.org/drawingml/2006/main" xmlns:r="http://schemas.openxmlformats.org/officeDocument/2006/relationships" xmlns:p="http://schemas.openxmlformats.org/presentationml/2006/main">
-  <p:cSld>
-    <p:spTree>
-      <p:nvGrpSpPr>
-        <p:cNvPr id="1" name=""/>
-        <p:cNvGrpSpPr/>
-        <p:nvPr/>
-      </p:nvGrpSpPr>
-      <p:grpSpPr>
-        <a:xfrm>
-          <a:off x="0" y="0"/>
-          <a:ext cx="0" cy="0"/>
-          <a:chOff x="0" y="0"/>
-          <a:chExt cx="0" cy="0"/>
-        </a:xfrm>
-      </p:grpSpPr>
-      <p:sp>
-        <p:nvSpPr>
-          <p:cNvPr id="4" name="タイトル 3"/>
-          <p:cNvSpPr>
-            <a:spLocks noGrp="1"/>
-          </p:cNvSpPr>
-          <p:nvPr>
-            <p:ph type="title"/>
-          </p:nvPr>
-        </p:nvSpPr>
-        <p:spPr/>
-        <p:txBody>
-          <a:bodyPr/>
-          <a:lstStyle/>
-          <a:p>
-            <a:r>
-              <a:rPr lang="en-US" altLang="ja-JP" dirty="0" err="1" smtClean="0"/>
-              <a:t>Config</a:t>
-            </a:r>
-            <a:r>
-              <a:rPr lang="ja-JP" altLang="en-US" dirty="0" smtClean="0"/>
-              <a:t>ページ（仮）</a:t>
-            </a:r>
-            <a:endParaRPr kumimoji="1" lang="ja-JP" altLang="en-US" dirty="0"/>
-          </a:p>
-        </p:txBody>
-      </p:sp>
-      <p:sp>
-        <p:nvSpPr>
-          <p:cNvPr id="5" name="正方形/長方形 4"/>
-          <p:cNvSpPr/>
-          <p:nvPr/>
-        </p:nvSpPr>
-        <p:spPr>
-          <a:xfrm>
-            <a:off x="557047" y="1310564"/>
-            <a:ext cx="3237187" cy="4993891"/>
-          </a:xfrm>
-          <a:prstGeom prst="rect">
-            <a:avLst/>
-          </a:prstGeom>
-        </p:spPr>
-        <p:style>
-          <a:lnRef idx="2">
-            <a:schemeClr val="dk1"/>
-          </a:lnRef>
-          <a:fillRef idx="1">
-            <a:schemeClr val="lt1"/>
-          </a:fillRef>
-          <a:effectRef idx="0">
-            <a:schemeClr val="dk1"/>
-          </a:effectRef>
-          <a:fontRef idx="minor">
-            <a:schemeClr val="dk1"/>
-          </a:fontRef>
-        </p:style>
-        <p:txBody>
-          <a:bodyPr rtlCol="0" anchor="ctr"/>
-          <a:lstStyle/>
-          <a:p>
-            <a:pPr algn="ctr"/>
-            <a:endParaRPr kumimoji="1" lang="ja-JP" altLang="en-US"/>
-          </a:p>
-        </p:txBody>
-      </p:sp>
-      <p:sp>
-        <p:nvSpPr>
-          <p:cNvPr id="24" name="正方形/長方形 23"/>
-          <p:cNvSpPr/>
-          <p:nvPr/>
-        </p:nvSpPr>
-        <p:spPr>
-          <a:xfrm>
-            <a:off x="6642538" y="451945"/>
-            <a:ext cx="5402317" cy="6180083"/>
-          </a:xfrm>
-          <a:prstGeom prst="rect">
-            <a:avLst/>
-          </a:prstGeom>
-        </p:spPr>
-        <p:style>
-          <a:lnRef idx="2">
-            <a:schemeClr val="accent2"/>
-          </a:lnRef>
-          <a:fillRef idx="1">
-            <a:schemeClr val="lt1"/>
-          </a:fillRef>
-          <a:effectRef idx="0">
-            <a:schemeClr val="accent2"/>
-          </a:effectRef>
-          <a:fontRef idx="minor">
-            <a:schemeClr val="dk1"/>
-          </a:fontRef>
-        </p:style>
-        <p:txBody>
-          <a:bodyPr rtlCol="0" anchor="ctr"/>
-          <a:lstStyle/>
-          <a:p>
-            <a:pPr marL="285750" indent="-285750">
-              <a:buFont typeface="Arial" charset="0"/>
-              <a:buChar char="•"/>
-            </a:pPr>
-            <a:r>
-              <a:rPr lang="ja-JP" altLang="en-US" dirty="0" smtClean="0"/>
-              <a:t>ログアウト</a:t>
-            </a:r>
-            <a:r>
-              <a:rPr lang="ja-JP" altLang="en-US" dirty="0" smtClean="0"/>
-              <a:t>できる</a:t>
-            </a:r>
-            <a:endParaRPr lang="en-US" altLang="ja-JP" dirty="0" smtClean="0"/>
-          </a:p>
-          <a:p>
-            <a:pPr marL="285750" indent="-285750">
-              <a:buFont typeface="Arial" charset="0"/>
-              <a:buChar char="•"/>
-            </a:pPr>
-            <a:r>
-              <a:rPr lang="ja-JP" altLang="en-US" dirty="0" smtClean="0"/>
-              <a:t>自分の登録情報を確認できる</a:t>
-            </a:r>
-            <a:endParaRPr lang="en-US" altLang="ja-JP" dirty="0" smtClean="0"/>
-          </a:p>
-          <a:p>
-            <a:pPr marL="285750" indent="-285750">
-              <a:buFont typeface="Arial" charset="0"/>
-              <a:buChar char="•"/>
-            </a:pPr>
-            <a:r>
-              <a:rPr lang="ja-JP" altLang="en-US" dirty="0" smtClean="0"/>
-              <a:t>シート数を調整できる</a:t>
-            </a:r>
-            <a:endParaRPr lang="en-US" altLang="ja-JP" dirty="0" smtClean="0"/>
-          </a:p>
-          <a:p>
-            <a:pPr marL="285750" indent="-285750">
-              <a:buFont typeface="Arial" charset="0"/>
-              <a:buChar char="•"/>
-            </a:pPr>
-            <a:r>
-              <a:rPr lang="ja-JP" altLang="en-US" dirty="0" smtClean="0"/>
-              <a:t>ボタンの位置を調整できる</a:t>
-            </a:r>
-            <a:endParaRPr lang="en-US" altLang="ja-JP" dirty="0" smtClean="0"/>
-          </a:p>
-          <a:p>
-            <a:pPr marL="285750" indent="-285750">
-              <a:buFont typeface="Arial" charset="0"/>
-              <a:buChar char="•"/>
-            </a:pPr>
-            <a:r>
-              <a:rPr lang="ja-JP" altLang="en-US" dirty="0" smtClean="0"/>
-              <a:t>プレーヤー（自分）のシートを調整できる</a:t>
-            </a:r>
-            <a:endParaRPr lang="en-US" altLang="ja-JP" dirty="0"/>
-          </a:p>
-          <a:p>
-            <a:pPr marL="285750" indent="-285750">
-              <a:buFont typeface="Arial" charset="0"/>
-              <a:buChar char="•"/>
-            </a:pPr>
-            <a:endParaRPr lang="en-US" altLang="ja-JP" dirty="0" smtClean="0"/>
-          </a:p>
-        </p:txBody>
-      </p:sp>
-      <p:sp>
-        <p:nvSpPr>
-          <p:cNvPr id="25" name="正方形/長方形 24"/>
-          <p:cNvSpPr/>
-          <p:nvPr/>
-        </p:nvSpPr>
-        <p:spPr>
-          <a:xfrm>
-            <a:off x="6642538" y="451945"/>
-            <a:ext cx="5402317" cy="399393"/>
-          </a:xfrm>
-          <a:prstGeom prst="rect">
-            <a:avLst/>
-          </a:prstGeom>
-        </p:spPr>
-        <p:style>
-          <a:lnRef idx="1">
-            <a:schemeClr val="accent2"/>
-          </a:lnRef>
-          <a:fillRef idx="2">
-            <a:schemeClr val="accent2"/>
-          </a:fillRef>
-          <a:effectRef idx="1">
-            <a:schemeClr val="accent2"/>
-          </a:effectRef>
-          <a:fontRef idx="minor">
-            <a:schemeClr val="dk1"/>
-          </a:fontRef>
-        </p:style>
-        <p:txBody>
-          <a:bodyPr rtlCol="0" anchor="ctr"/>
-          <a:lstStyle/>
-          <a:p>
-            <a:pPr algn="ctr"/>
-            <a:r>
-              <a:rPr kumimoji="1" lang="ja-JP" altLang="en-US" dirty="0" smtClean="0"/>
-              <a:t>機能要件</a:t>
-            </a:r>
-            <a:endParaRPr kumimoji="1" lang="ja-JP" altLang="en-US" dirty="0"/>
-          </a:p>
-        </p:txBody>
-      </p:sp>
-      <p:sp>
-        <p:nvSpPr>
-          <p:cNvPr id="16" name="正方形/長方形 15"/>
-          <p:cNvSpPr/>
-          <p:nvPr/>
-        </p:nvSpPr>
-        <p:spPr>
-          <a:xfrm>
-            <a:off x="557047" y="1310564"/>
-            <a:ext cx="3237187" cy="378372"/>
-          </a:xfrm>
-          <a:prstGeom prst="rect">
-            <a:avLst/>
-          </a:prstGeom>
-        </p:spPr>
-        <p:style>
-          <a:lnRef idx="2">
-            <a:schemeClr val="accent1">
-              <a:shade val="50000"/>
-            </a:schemeClr>
-          </a:lnRef>
-          <a:fillRef idx="1">
-            <a:schemeClr val="accent1"/>
-          </a:fillRef>
-          <a:effectRef idx="0">
-            <a:schemeClr val="accent1"/>
-          </a:effectRef>
-          <a:fontRef idx="minor">
-            <a:schemeClr val="lt1"/>
-          </a:fontRef>
-        </p:style>
-        <p:txBody>
-          <a:bodyPr rtlCol="0" anchor="ctr"/>
-          <a:lstStyle/>
-          <a:p>
-            <a:pPr algn="ctr"/>
-            <a:r>
-              <a:rPr lang="en-US" altLang="ja-JP" dirty="0" smtClean="0"/>
-              <a:t>Configuration</a:t>
-            </a:r>
-          </a:p>
-        </p:txBody>
-      </p:sp>
-      <p:sp>
-        <p:nvSpPr>
-          <p:cNvPr id="36" name="正方形/長方形 35"/>
-          <p:cNvSpPr/>
-          <p:nvPr/>
-        </p:nvSpPr>
-        <p:spPr>
-          <a:xfrm>
-            <a:off x="556389" y="6076506"/>
-            <a:ext cx="3237187" cy="564555"/>
-          </a:xfrm>
-          <a:prstGeom prst="rect">
-            <a:avLst/>
-          </a:prstGeom>
-        </p:spPr>
-        <p:style>
-          <a:lnRef idx="2">
-            <a:schemeClr val="accent1">
-              <a:shade val="50000"/>
-            </a:schemeClr>
-          </a:lnRef>
-          <a:fillRef idx="1">
-            <a:schemeClr val="accent1"/>
-          </a:fillRef>
-          <a:effectRef idx="0">
-            <a:schemeClr val="accent1"/>
-          </a:effectRef>
-          <a:fontRef idx="minor">
-            <a:schemeClr val="lt1"/>
-          </a:fontRef>
-        </p:style>
-        <p:txBody>
-          <a:bodyPr rtlCol="0" anchor="ctr"/>
-          <a:lstStyle/>
-          <a:p>
-            <a:pPr algn="ctr"/>
-            <a:r>
-              <a:rPr kumimoji="1" lang="ja-JP" altLang="en-US" dirty="0" smtClean="0"/>
-              <a:t>フッターエリア</a:t>
-            </a:r>
-            <a:endParaRPr kumimoji="1" lang="ja-JP" altLang="en-US" dirty="0"/>
-          </a:p>
-        </p:txBody>
-      </p:sp>
-    </p:spTree>
-    <p:extLst>
-      <p:ext uri="{BB962C8B-B14F-4D97-AF65-F5344CB8AC3E}">
-        <p14:creationId xmlns:p14="http://schemas.microsoft.com/office/powerpoint/2010/main" val="2038690977"/>
       </p:ext>
     </p:extLst>
   </p:cSld>
